--- a/doc/2018-07-24_Stein_Model_Diagram_Library.pptx
+++ b/doc/2018-07-24_Stein_Model_Diagram_Library.pptx
@@ -9444,6 +9444,200 @@
           </a:p>
         </p:txBody>
       </p:sp>
+      <mc:AlternateContent xmlns:mc="http://schemas.openxmlformats.org/markup-compatibility/2006">
+        <mc:Choice xmlns:a14="http://schemas.microsoft.com/office/drawing/2010/main" Requires="a14">
+          <p:sp>
+            <p:nvSpPr>
+              <p:cNvPr id="29" name="Rectangle 28">
+                <a:extLst>
+                  <a:ext uri="{FF2B5EF4-FFF2-40B4-BE49-F238E27FC236}">
+                    <a16:creationId xmlns:a16="http://schemas.microsoft.com/office/drawing/2014/main" id="{ECFE4493-C021-D64C-A942-1CD4CC277BB9}"/>
+                  </a:ext>
+                </a:extLst>
+              </p:cNvPr>
+              <p:cNvSpPr/>
+              <p:nvPr/>
+            </p:nvSpPr>
+            <p:spPr>
+              <a:xfrm>
+                <a:off x="3616802" y="1872271"/>
+                <a:ext cx="1910395" cy="689291"/>
+              </a:xfrm>
+              <a:prstGeom prst="rect">
+                <a:avLst/>
+              </a:prstGeom>
+            </p:spPr>
+            <p:txBody>
+              <a:bodyPr wrap="none">
+                <a:spAutoFit/>
+              </a:bodyPr>
+              <a:lstStyle/>
+              <a:p>
+                <a14:m>
+                  <m:oMathPara xmlns:m="http://schemas.openxmlformats.org/officeDocument/2006/math">
+                    <m:oMathParaPr>
+                      <m:jc m:val="centerGroup"/>
+                    </m:oMathParaPr>
+                    <m:oMath xmlns:m="http://schemas.openxmlformats.org/officeDocument/2006/math">
+                      <m:r>
+                        <a:rPr lang="en-US" i="1">
+                          <a:latin typeface="Cambria Math" charset="0"/>
+                        </a:rPr>
+                        <m:t>𝐴𝐹𝐼𝑅</m:t>
+                      </m:r>
+                      <m:r>
+                        <a:rPr lang="en-US" i="1">
+                          <a:latin typeface="Cambria Math" charset="0"/>
+                        </a:rPr>
+                        <m:t>=</m:t>
+                      </m:r>
+                      <m:f>
+                        <m:fPr>
+                          <m:ctrlPr>
+                            <a:rPr lang="mr-IN" i="1">
+                              <a:latin typeface="Cambria Math" panose="02040503050406030204" pitchFamily="18" charset="0"/>
+                            </a:rPr>
+                          </m:ctrlPr>
+                        </m:fPr>
+                        <m:num>
+                          <m:sSub>
+                            <m:sSubPr>
+                              <m:ctrlPr>
+                                <a:rPr lang="en-US" i="1">
+                                  <a:latin typeface="Cambria Math" panose="02040503050406030204" pitchFamily="18" charset="0"/>
+                                </a:rPr>
+                              </m:ctrlPr>
+                            </m:sSubPr>
+                            <m:e>
+                              <m:r>
+                                <a:rPr lang="en-US" i="1">
+                                  <a:latin typeface="Cambria Math" charset="0"/>
+                                </a:rPr>
+                                <m:t>𝐾</m:t>
+                              </m:r>
+                            </m:e>
+                            <m:sub>
+                              <m:r>
+                                <a:rPr lang="en-US" i="1">
+                                  <a:latin typeface="Cambria Math" charset="0"/>
+                                </a:rPr>
+                                <m:t>𝑑</m:t>
+                              </m:r>
+                            </m:sub>
+                          </m:sSub>
+                          <m:r>
+                            <a:rPr lang="en-US" i="1">
+                              <a:latin typeface="Cambria Math" charset="0"/>
+                            </a:rPr>
+                            <m:t>·</m:t>
+                          </m:r>
+                          <m:sSub>
+                            <m:sSubPr>
+                              <m:ctrlPr>
+                                <a:rPr lang="en-US" i="1">
+                                  <a:latin typeface="Cambria Math" panose="02040503050406030204" pitchFamily="18" charset="0"/>
+                                </a:rPr>
+                              </m:ctrlPr>
+                            </m:sSubPr>
+                            <m:e>
+                              <m:r>
+                                <a:rPr lang="en-US" i="1">
+                                  <a:latin typeface="Cambria Math" charset="0"/>
+                                </a:rPr>
+                                <m:t>𝑇</m:t>
+                              </m:r>
+                            </m:e>
+                            <m:sub>
+                              <m:r>
+                                <a:rPr lang="en-US" i="1">
+                                  <a:latin typeface="Cambria Math" charset="0"/>
+                                </a:rPr>
+                                <m:t>𝑎𝑐𝑐</m:t>
+                              </m:r>
+                            </m:sub>
+                          </m:sSub>
+                        </m:num>
+                        <m:den>
+                          <m:sSub>
+                            <m:sSubPr>
+                              <m:ctrlPr>
+                                <a:rPr lang="en-US" i="1">
+                                  <a:latin typeface="Cambria Math" panose="02040503050406030204" pitchFamily="18" charset="0"/>
+                                </a:rPr>
+                              </m:ctrlPr>
+                            </m:sSubPr>
+                            <m:e>
+                              <m:r>
+                                <a:rPr lang="en-US" i="1">
+                                  <a:latin typeface="Cambria Math" charset="0"/>
+                                </a:rPr>
+                                <m:t>𝐶</m:t>
+                              </m:r>
+                            </m:e>
+                            <m:sub>
+                              <m:r>
+                                <a:rPr lang="en-US" i="1">
+                                  <a:latin typeface="Cambria Math" charset="0"/>
+                                </a:rPr>
+                                <m:t>𝑎𝑣𝑔</m:t>
+                              </m:r>
+                            </m:sub>
+                          </m:sSub>
+                        </m:den>
+                      </m:f>
+                    </m:oMath>
+                  </m:oMathPara>
+                </a14:m>
+                <a:endParaRPr lang="en-US" dirty="0"/>
+              </a:p>
+            </p:txBody>
+          </p:sp>
+        </mc:Choice>
+        <mc:Fallback>
+          <p:sp>
+            <p:nvSpPr>
+              <p:cNvPr id="29" name="Rectangle 28">
+                <a:extLst>
+                  <a:ext uri="{FF2B5EF4-FFF2-40B4-BE49-F238E27FC236}">
+                    <a16:creationId xmlns:a16="http://schemas.microsoft.com/office/drawing/2014/main" id="{ECFE4493-C021-D64C-A942-1CD4CC277BB9}"/>
+                  </a:ext>
+                </a:extLst>
+              </p:cNvPr>
+              <p:cNvSpPr>
+                <a:spLocks noRot="1" noChangeAspect="1" noMove="1" noResize="1" noEditPoints="1" noAdjustHandles="1" noChangeArrowheads="1" noChangeShapeType="1" noTextEdit="1"/>
+              </p:cNvSpPr>
+              <p:nvPr/>
+            </p:nvSpPr>
+            <p:spPr>
+              <a:xfrm>
+                <a:off x="3616802" y="1872271"/>
+                <a:ext cx="1910395" cy="689291"/>
+              </a:xfrm>
+              <a:prstGeom prst="rect">
+                <a:avLst/>
+              </a:prstGeom>
+              <a:blipFill>
+                <a:blip r:embed="rId2"/>
+                <a:stretch>
+                  <a:fillRect/>
+                </a:stretch>
+              </a:blipFill>
+            </p:spPr>
+            <p:txBody>
+              <a:bodyPr/>
+              <a:lstStyle/>
+              <a:p>
+                <a:r>
+                  <a:rPr lang="en-US">
+                    <a:noFill/>
+                  </a:rPr>
+                  <a:t> </a:t>
+                </a:r>
+              </a:p>
+            </p:txBody>
+          </p:sp>
+        </mc:Fallback>
+      </mc:AlternateContent>
     </p:spTree>
     <p:extLst>
       <p:ext uri="{BB962C8B-B14F-4D97-AF65-F5344CB8AC3E}">
@@ -11427,7 +11621,7 @@
             <a:pPr algn="ctr"/>
             <a:r>
               <a:rPr lang="en-US" sz="3200" dirty="0"/>
-              <a:t>M</a:t>
+              <a:t>T</a:t>
             </a:r>
             <a:r>
               <a:rPr lang="en-US" sz="3200" baseline="-25000" dirty="0"/>
@@ -11480,14 +11674,13 @@
           <a:p>
             <a:pPr algn="ctr"/>
             <a:r>
-              <a:rPr lang="en-US" sz="3200"/>
-              <a:t>DM</a:t>
-            </a:r>
-            <a:r>
-              <a:rPr lang="en-US" sz="3200" baseline="-25000"/>
+              <a:rPr lang="en-US" sz="3200" dirty="0"/>
+              <a:t>DT</a:t>
+            </a:r>
+            <a:r>
+              <a:rPr lang="en-US" sz="3200" baseline="-25000" dirty="0"/>
               <a:t>1</a:t>
             </a:r>
-            <a:endParaRPr lang="en-US" sz="3200" baseline="-25000" dirty="0"/>
           </a:p>
         </p:txBody>
       </p:sp>
@@ -12349,7 +12542,7 @@
             <a:pPr algn="ctr"/>
             <a:r>
               <a:rPr lang="en-US" sz="3200" dirty="0"/>
-              <a:t>M</a:t>
+              <a:t>T</a:t>
             </a:r>
             <a:r>
               <a:rPr lang="en-US" sz="3200" baseline="-25000" dirty="0"/>
@@ -12402,14 +12595,13 @@
           <a:p>
             <a:pPr algn="ctr"/>
             <a:r>
-              <a:rPr lang="en-US" sz="3200"/>
-              <a:t>DM</a:t>
-            </a:r>
-            <a:r>
-              <a:rPr lang="en-US" sz="3200" baseline="-25000"/>
+              <a:rPr lang="en-US" sz="3200" dirty="0"/>
+              <a:t>DT</a:t>
+            </a:r>
+            <a:r>
+              <a:rPr lang="en-US" sz="3200" baseline="-25000" dirty="0"/>
               <a:t>3</a:t>
             </a:r>
-            <a:endParaRPr lang="en-US" sz="3200" baseline="-25000" dirty="0"/>
           </a:p>
         </p:txBody>
       </p:sp>
@@ -12973,7 +13165,7 @@
         <p:spPr>
           <a:xfrm>
             <a:off x="5666735" y="5090872"/>
-            <a:ext cx="3187989" cy="923330"/>
+            <a:ext cx="1717137" cy="923330"/>
           </a:xfrm>
           <a:prstGeom prst="rect">
             <a:avLst/>
@@ -13001,13 +13193,17 @@
           <a:p>
             <a:r>
               <a:rPr lang="en-US" dirty="0"/>
-              <a:t>M = Membrane-Bound Target</a:t>
-            </a:r>
-          </a:p>
-          <a:p>
+              <a:t>T = Target</a:t>
+            </a:r>
+          </a:p>
+          <a:p>
+            <a:r>
+              <a:rPr lang="en-US"/>
+              <a:t>DT </a:t>
+            </a:r>
             <a:r>
               <a:rPr lang="en-US" dirty="0"/>
-              <a:t>DM = Complex</a:t>
+              <a:t>= Complex</a:t>
             </a:r>
           </a:p>
         </p:txBody>
@@ -17229,6 +17425,36 @@
           </a:p>
         </p:txBody>
       </p:sp>
+      <p:pic>
+        <p:nvPicPr>
+          <p:cNvPr id="8" name="Picture 7">
+            <a:extLst>
+              <a:ext uri="{FF2B5EF4-FFF2-40B4-BE49-F238E27FC236}">
+                <a16:creationId xmlns:a16="http://schemas.microsoft.com/office/drawing/2014/main" id="{80EDA624-95E3-CA4F-A214-324BB2E7008C}"/>
+              </a:ext>
+            </a:extLst>
+          </p:cNvPr>
+          <p:cNvPicPr>
+            <a:picLocks noChangeAspect="1"/>
+          </p:cNvPicPr>
+          <p:nvPr/>
+        </p:nvPicPr>
+        <p:blipFill>
+          <a:blip r:embed="rId3"/>
+          <a:stretch>
+            <a:fillRect/>
+          </a:stretch>
+        </p:blipFill>
+        <p:spPr>
+          <a:xfrm>
+            <a:off x="519220" y="3962400"/>
+            <a:ext cx="3028950" cy="642505"/>
+          </a:xfrm>
+          <a:prstGeom prst="rect">
+            <a:avLst/>
+          </a:prstGeom>
+        </p:spPr>
+      </p:pic>
     </p:spTree>
     <p:extLst>
       <p:ext uri="{BB962C8B-B14F-4D97-AF65-F5344CB8AC3E}">
@@ -18876,6 +19102,58 @@
           </a:fontRef>
         </p:style>
       </p:cxnSp>
+      <p:sp>
+        <p:nvSpPr>
+          <p:cNvPr id="3" name="Rectangle 2">
+            <a:extLst>
+              <a:ext uri="{FF2B5EF4-FFF2-40B4-BE49-F238E27FC236}">
+                <a16:creationId xmlns:a16="http://schemas.microsoft.com/office/drawing/2014/main" id="{102C8B9C-1D71-5741-AFBD-8B0221DB66E2}"/>
+              </a:ext>
+            </a:extLst>
+          </p:cNvPr>
+          <p:cNvSpPr/>
+          <p:nvPr/>
+        </p:nvSpPr>
+        <p:spPr>
+          <a:xfrm>
+            <a:off x="229094" y="5283625"/>
+            <a:ext cx="3373143" cy="914400"/>
+          </a:xfrm>
+          <a:prstGeom prst="rect">
+            <a:avLst/>
+          </a:prstGeom>
+          <a:ln>
+            <a:noFill/>
+          </a:ln>
+        </p:spPr>
+        <p:style>
+          <a:lnRef idx="2">
+            <a:schemeClr val="accent1">
+              <a:shade val="50000"/>
+            </a:schemeClr>
+          </a:lnRef>
+          <a:fillRef idx="1">
+            <a:schemeClr val="accent1"/>
+          </a:fillRef>
+          <a:effectRef idx="0">
+            <a:schemeClr val="accent1"/>
+          </a:effectRef>
+          <a:fontRef idx="minor">
+            <a:schemeClr val="lt1"/>
+          </a:fontRef>
+        </p:style>
+        <p:txBody>
+          <a:bodyPr rtlCol="0" anchor="ctr"/>
+          <a:lstStyle/>
+          <a:p>
+            <a:pPr algn="ctr"/>
+            <a:r>
+              <a:rPr lang="en-US" dirty="0"/>
+              <a:t>Need a new potency metric (see Peletier18, or Stein17_DrugTargEndog)</a:t>
+            </a:r>
+          </a:p>
+        </p:txBody>
+      </p:sp>
     </p:spTree>
     <p:extLst>
       <p:ext uri="{BB962C8B-B14F-4D97-AF65-F5344CB8AC3E}">

--- a/doc/2018-07-24_Stein_Model_Diagram_Library.pptx
+++ b/doc/2018-07-24_Stein_Model_Diagram_Library.pptx
@@ -5,10 +5,10 @@
     <p:sldMasterId id="2147483648" r:id="rId1"/>
   </p:sldMasterIdLst>
   <p:notesMasterIdLst>
-    <p:notesMasterId r:id="rId10"/>
+    <p:notesMasterId r:id="rId11"/>
   </p:notesMasterIdLst>
   <p:handoutMasterIdLst>
-    <p:handoutMasterId r:id="rId11"/>
+    <p:handoutMasterId r:id="rId12"/>
   </p:handoutMasterIdLst>
   <p:sldIdLst>
     <p:sldId id="379" r:id="rId2"/>
@@ -19,6 +19,7 @@
     <p:sldId id="389" r:id="rId7"/>
     <p:sldId id="276" r:id="rId8"/>
     <p:sldId id="277" r:id="rId9"/>
+    <p:sldId id="390" r:id="rId10"/>
   </p:sldIdLst>
   <p:sldSz cx="9144000" cy="6858000" type="screen4x3"/>
   <p:notesSz cx="6858000" cy="9144000"/>
@@ -262,7 +263,7 @@
                 <a:latin typeface="Arial"/>
               </a:rPr>
               <a:pPr/>
-              <a:t>7/24/18</a:t>
+              <a:t>8/1/18</a:t>
             </a:fld>
             <a:endParaRPr lang="en-US" dirty="0">
               <a:latin typeface="Arial"/>
@@ -442,7 +443,7 @@
             <a:fld id="{0C4595FF-6E7F-4C41-B8DF-4AE76FC1F075}" type="datetimeFigureOut">
               <a:rPr lang="en-US" smtClean="0"/>
               <a:pPr/>
-              <a:t>7/24/18</a:t>
+              <a:t>8/1/18</a:t>
             </a:fld>
             <a:endParaRPr lang="en-US" dirty="0"/>
           </a:p>
@@ -9444,8 +9445,8 @@
           </a:p>
         </p:txBody>
       </p:sp>
-      <mc:AlternateContent xmlns:mc="http://schemas.openxmlformats.org/markup-compatibility/2006">
-        <mc:Choice xmlns:a14="http://schemas.microsoft.com/office/drawing/2010/main" Requires="a14">
+      <mc:AlternateContent xmlns:mc="http://schemas.openxmlformats.org/markup-compatibility/2006" xmlns:a14="http://schemas.microsoft.com/office/drawing/2010/main">
+        <mc:Choice Requires="a14">
           <p:sp>
             <p:nvSpPr>
               <p:cNvPr id="29" name="Rectangle 28">
@@ -9473,6 +9474,7 @@
               </a:bodyPr>
               <a:lstStyle/>
               <a:p>
+                <a:pPr/>
                 <a14:m>
                   <m:oMathPara xmlns:m="http://schemas.openxmlformats.org/officeDocument/2006/math">
                     <m:oMathParaPr>
@@ -9593,7 +9595,7 @@
             </p:txBody>
           </p:sp>
         </mc:Choice>
-        <mc:Fallback>
+        <mc:Fallback xmlns="">
           <p:sp>
             <p:nvSpPr>
               <p:cNvPr id="29" name="Rectangle 28">
@@ -17508,7 +17510,7 @@
           <a:p>
             <a:r>
               <a:rPr lang="en-US" dirty="0"/>
-              <a:t>Model G (DTL): Include Ligand</a:t>
+              <a:t>Model G (DTL): Include Ligand (L)</a:t>
             </a:r>
           </a:p>
         </p:txBody>
@@ -17866,7 +17868,7 @@
         <p:spPr>
           <a:xfrm>
             <a:off x="720224" y="2330815"/>
-            <a:ext cx="915635" cy="646331"/>
+            <a:ext cx="915635" cy="923330"/>
           </a:xfrm>
           <a:prstGeom prst="rect">
             <a:avLst/>
@@ -17906,6 +17908,14 @@
               <a:rPr lang="en-US" sz="1800" dirty="0"/>
               <a:t>.</a:t>
             </a:r>
+          </a:p>
+          <a:p>
+            <a:pPr algn="ctr"/>
+            <a:r>
+              <a:rPr lang="en-US" dirty="0"/>
+              <a:t>(D2)</a:t>
+            </a:r>
+            <a:endParaRPr lang="en-US" sz="1800" dirty="0"/>
           </a:p>
         </p:txBody>
       </p:sp>
@@ -19154,6 +19164,64 @@
           </a:p>
         </p:txBody>
       </p:sp>
+      <p:sp>
+        <p:nvSpPr>
+          <p:cNvPr id="56" name="TextBox 55">
+            <a:extLst>
+              <a:ext uri="{FF2B5EF4-FFF2-40B4-BE49-F238E27FC236}">
+                <a16:creationId xmlns:a16="http://schemas.microsoft.com/office/drawing/2014/main" id="{ED8ECEA0-F7DD-FC42-8A17-3DCBC3808F7A}"/>
+              </a:ext>
+            </a:extLst>
+          </p:cNvPr>
+          <p:cNvSpPr txBox="1"/>
+          <p:nvPr/>
+        </p:nvSpPr>
+        <p:spPr>
+          <a:xfrm>
+            <a:off x="248850" y="3933711"/>
+            <a:ext cx="2025042" cy="1200329"/>
+          </a:xfrm>
+          <a:prstGeom prst="rect">
+            <a:avLst/>
+          </a:prstGeom>
+          <a:noFill/>
+          <a:ln>
+            <a:solidFill>
+              <a:schemeClr val="tx1"/>
+            </a:solidFill>
+          </a:ln>
+        </p:spPr>
+        <p:txBody>
+          <a:bodyPr wrap="none" rtlCol="0">
+            <a:spAutoFit/>
+          </a:bodyPr>
+          <a:lstStyle/>
+          <a:p>
+            <a:r>
+              <a:rPr lang="en-US" dirty="0"/>
+              <a:t>D = Drug</a:t>
+            </a:r>
+          </a:p>
+          <a:p>
+            <a:r>
+              <a:rPr lang="en-US" dirty="0"/>
+              <a:t>T = Target</a:t>
+            </a:r>
+          </a:p>
+          <a:p>
+            <a:r>
+              <a:rPr lang="en-US" dirty="0"/>
+              <a:t>L = Ligand</a:t>
+            </a:r>
+          </a:p>
+          <a:p>
+            <a:r>
+              <a:rPr lang="en-US" dirty="0"/>
+              <a:t>DT, TL = Complex</a:t>
+            </a:r>
+          </a:p>
+        </p:txBody>
+      </p:sp>
     </p:spTree>
     <p:extLst>
       <p:ext uri="{BB962C8B-B14F-4D97-AF65-F5344CB8AC3E}">
@@ -19540,7 +19608,7 @@
         <p:spPr>
           <a:xfrm>
             <a:off x="155366" y="3366209"/>
-            <a:ext cx="915635" cy="646331"/>
+            <a:ext cx="915635" cy="923330"/>
           </a:xfrm>
           <a:prstGeom prst="rect">
             <a:avLst/>
@@ -19580,6 +19648,14 @@
               <a:rPr lang="en-US" sz="1800" dirty="0"/>
               <a:t>.</a:t>
             </a:r>
+          </a:p>
+          <a:p>
+            <a:pPr algn="ctr"/>
+            <a:r>
+              <a:rPr lang="en-US" dirty="0"/>
+              <a:t>(D2)</a:t>
+            </a:r>
+            <a:endParaRPr lang="en-US" sz="1800" dirty="0"/>
           </a:p>
         </p:txBody>
       </p:sp>
@@ -21716,6 +21792,2268 @@
     <p:extLst>
       <p:ext uri="{BB962C8B-B14F-4D97-AF65-F5344CB8AC3E}">
         <p14:creationId xmlns:p14="http://schemas.microsoft.com/office/powerpoint/2010/main" val="2009040969"/>
+      </p:ext>
+    </p:extLst>
+  </p:cSld>
+  <p:clrMapOvr>
+    <a:masterClrMapping/>
+  </p:clrMapOvr>
+</p:sld>
+</file>
+
+<file path=ppt/slides/slide9.xml><?xml version="1.0" encoding="utf-8"?>
+<p:sld xmlns:a="http://schemas.openxmlformats.org/drawingml/2006/main" xmlns:r="http://schemas.openxmlformats.org/officeDocument/2006/relationships" xmlns:p="http://schemas.openxmlformats.org/presentationml/2006/main">
+  <p:cSld>
+    <p:spTree>
+      <p:nvGrpSpPr>
+        <p:cNvPr id="1" name=""/>
+        <p:cNvGrpSpPr/>
+        <p:nvPr/>
+      </p:nvGrpSpPr>
+      <p:grpSpPr>
+        <a:xfrm>
+          <a:off x="0" y="0"/>
+          <a:ext cx="0" cy="0"/>
+          <a:chOff x="0" y="0"/>
+          <a:chExt cx="0" cy="0"/>
+        </a:xfrm>
+      </p:grpSpPr>
+      <p:sp>
+        <p:nvSpPr>
+          <p:cNvPr id="2" name="Title 1">
+            <a:extLst>
+              <a:ext uri="{FF2B5EF4-FFF2-40B4-BE49-F238E27FC236}">
+                <a16:creationId xmlns:a16="http://schemas.microsoft.com/office/drawing/2014/main" id="{99ED900E-FC29-714F-9A38-D9B255A8A07E}"/>
+              </a:ext>
+            </a:extLst>
+          </p:cNvPr>
+          <p:cNvSpPr>
+            <a:spLocks noGrp="1"/>
+          </p:cNvSpPr>
+          <p:nvPr>
+            <p:ph type="title"/>
+          </p:nvPr>
+        </p:nvSpPr>
+        <p:spPr/>
+        <p:txBody>
+          <a:bodyPr/>
+          <a:lstStyle/>
+          <a:p>
+            <a:r>
+              <a:rPr lang="en-US" dirty="0"/>
+              <a:t>Model G (</a:t>
+            </a:r>
+            <a:r>
+              <a:rPr lang="en-US" dirty="0" err="1"/>
+              <a:t>DTLf</a:t>
+            </a:r>
+            <a:r>
+              <a:rPr lang="en-US" dirty="0"/>
+              <a:t>): Include Ligand with feedback</a:t>
+            </a:r>
+          </a:p>
+        </p:txBody>
+      </p:sp>
+      <p:sp>
+        <p:nvSpPr>
+          <p:cNvPr id="4" name="Footer Placeholder 3">
+            <a:extLst>
+              <a:ext uri="{FF2B5EF4-FFF2-40B4-BE49-F238E27FC236}">
+                <a16:creationId xmlns:a16="http://schemas.microsoft.com/office/drawing/2014/main" id="{D83E0097-B1DB-4641-BE53-7597637BE2C5}"/>
+              </a:ext>
+            </a:extLst>
+          </p:cNvPr>
+          <p:cNvSpPr>
+            <a:spLocks noGrp="1"/>
+          </p:cNvSpPr>
+          <p:nvPr>
+            <p:ph type="ftr" sz="quarter" idx="10"/>
+          </p:nvPr>
+        </p:nvSpPr>
+        <p:spPr/>
+        <p:txBody>
+          <a:bodyPr/>
+          <a:lstStyle/>
+          <a:p>
+            <a:pPr>
+              <a:defRPr/>
+            </a:pPr>
+            <a:r>
+              <a:rPr lang="en-US"/>
+              <a:t>| MCP-Mod | A. Stein | Mar 2014 | Intuitive Intro | Business Use Only</a:t>
+            </a:r>
+            <a:endParaRPr lang="en-US" dirty="0"/>
+          </a:p>
+        </p:txBody>
+      </p:sp>
+      <p:sp>
+        <p:nvSpPr>
+          <p:cNvPr id="5" name="Slide Number Placeholder 4">
+            <a:extLst>
+              <a:ext uri="{FF2B5EF4-FFF2-40B4-BE49-F238E27FC236}">
+                <a16:creationId xmlns:a16="http://schemas.microsoft.com/office/drawing/2014/main" id="{641A65B3-9B06-4440-8208-BF36FDEB43BC}"/>
+              </a:ext>
+            </a:extLst>
+          </p:cNvPr>
+          <p:cNvSpPr>
+            <a:spLocks noGrp="1"/>
+          </p:cNvSpPr>
+          <p:nvPr>
+            <p:ph type="sldNum" sz="quarter" idx="11"/>
+          </p:nvPr>
+        </p:nvSpPr>
+        <p:spPr/>
+        <p:txBody>
+          <a:bodyPr/>
+          <a:lstStyle/>
+          <a:p>
+            <a:pPr>
+              <a:defRPr/>
+            </a:pPr>
+            <a:fld id="{BC80046B-4035-DC43-AEB6-62192A2642F4}" type="slidenum">
+              <a:rPr lang="en-US" smtClean="0"/>
+              <a:pPr>
+                <a:defRPr/>
+              </a:pPr>
+              <a:t>9</a:t>
+            </a:fld>
+            <a:endParaRPr lang="en-US"/>
+          </a:p>
+        </p:txBody>
+      </p:sp>
+      <p:sp>
+        <p:nvSpPr>
+          <p:cNvPr id="7" name="TextBox 6">
+            <a:extLst>
+              <a:ext uri="{FF2B5EF4-FFF2-40B4-BE49-F238E27FC236}">
+                <a16:creationId xmlns:a16="http://schemas.microsoft.com/office/drawing/2014/main" id="{A7394AEE-2A10-6743-BEC3-1AFF7F8F928D}"/>
+              </a:ext>
+            </a:extLst>
+          </p:cNvPr>
+          <p:cNvSpPr txBox="1"/>
+          <p:nvPr/>
+        </p:nvSpPr>
+        <p:spPr>
+          <a:xfrm>
+            <a:off x="2596291" y="2323568"/>
+            <a:ext cx="684803" cy="646331"/>
+          </a:xfrm>
+          <a:prstGeom prst="rect">
+            <a:avLst/>
+          </a:prstGeom>
+          <a:solidFill>
+            <a:schemeClr val="bg2">
+              <a:lumMod val="85000"/>
+            </a:schemeClr>
+          </a:solidFill>
+          <a:ln>
+            <a:noFill/>
+          </a:ln>
+        </p:spPr>
+        <p:txBody>
+          <a:bodyPr wrap="none" rtlCol="0">
+            <a:spAutoFit/>
+          </a:bodyPr>
+          <a:lstStyle/>
+          <a:p>
+            <a:pPr algn="ctr"/>
+            <a:r>
+              <a:rPr lang="en-US" sz="1800" dirty="0"/>
+              <a:t>Drug</a:t>
+            </a:r>
+          </a:p>
+          <a:p>
+            <a:pPr algn="ctr"/>
+            <a:r>
+              <a:rPr lang="en-US" sz="1800" dirty="0"/>
+              <a:t>(D)</a:t>
+            </a:r>
+          </a:p>
+        </p:txBody>
+      </p:sp>
+      <p:sp>
+        <p:nvSpPr>
+          <p:cNvPr id="8" name="TextBox 7">
+            <a:extLst>
+              <a:ext uri="{FF2B5EF4-FFF2-40B4-BE49-F238E27FC236}">
+                <a16:creationId xmlns:a16="http://schemas.microsoft.com/office/drawing/2014/main" id="{9AE288BD-0E3E-1044-8E99-AC69919CF93A}"/>
+              </a:ext>
+            </a:extLst>
+          </p:cNvPr>
+          <p:cNvSpPr txBox="1"/>
+          <p:nvPr/>
+        </p:nvSpPr>
+        <p:spPr>
+          <a:xfrm>
+            <a:off x="3188675" y="3941660"/>
+            <a:ext cx="1095173" cy="646331"/>
+          </a:xfrm>
+          <a:prstGeom prst="rect">
+            <a:avLst/>
+          </a:prstGeom>
+          <a:solidFill>
+            <a:schemeClr val="bg2">
+              <a:lumMod val="85000"/>
+            </a:schemeClr>
+          </a:solidFill>
+          <a:ln>
+            <a:noFill/>
+          </a:ln>
+        </p:spPr>
+        <p:txBody>
+          <a:bodyPr wrap="none" rtlCol="0">
+            <a:spAutoFit/>
+          </a:bodyPr>
+          <a:lstStyle/>
+          <a:p>
+            <a:pPr algn="ctr"/>
+            <a:r>
+              <a:rPr lang="en-US" sz="1800" dirty="0"/>
+              <a:t>Complex</a:t>
+            </a:r>
+          </a:p>
+          <a:p>
+            <a:pPr algn="ctr"/>
+            <a:r>
+              <a:rPr lang="en-US" sz="1800" dirty="0"/>
+              <a:t>(DT)</a:t>
+            </a:r>
+          </a:p>
+        </p:txBody>
+      </p:sp>
+      <p:sp>
+        <p:nvSpPr>
+          <p:cNvPr id="9" name="TextBox 8">
+            <a:extLst>
+              <a:ext uri="{FF2B5EF4-FFF2-40B4-BE49-F238E27FC236}">
+                <a16:creationId xmlns:a16="http://schemas.microsoft.com/office/drawing/2014/main" id="{CD0CAE8C-1144-F748-8321-3259748FA2B2}"/>
+              </a:ext>
+            </a:extLst>
+          </p:cNvPr>
+          <p:cNvSpPr txBox="1"/>
+          <p:nvPr/>
+        </p:nvSpPr>
+        <p:spPr>
+          <a:xfrm>
+            <a:off x="5965351" y="2336778"/>
+            <a:ext cx="877163" cy="646331"/>
+          </a:xfrm>
+          <a:prstGeom prst="rect">
+            <a:avLst/>
+          </a:prstGeom>
+          <a:solidFill>
+            <a:schemeClr val="bg2">
+              <a:lumMod val="85000"/>
+            </a:schemeClr>
+          </a:solidFill>
+          <a:ln>
+            <a:noFill/>
+          </a:ln>
+        </p:spPr>
+        <p:txBody>
+          <a:bodyPr wrap="none" rtlCol="0">
+            <a:spAutoFit/>
+          </a:bodyPr>
+          <a:lstStyle/>
+          <a:p>
+            <a:pPr algn="ctr"/>
+            <a:r>
+              <a:rPr lang="en-US" sz="1800" dirty="0"/>
+              <a:t>Ligand</a:t>
+            </a:r>
+          </a:p>
+          <a:p>
+            <a:pPr algn="ctr"/>
+            <a:r>
+              <a:rPr lang="en-US" dirty="0"/>
+              <a:t>(L)</a:t>
+            </a:r>
+            <a:endParaRPr lang="en-US" sz="1800" dirty="0"/>
+          </a:p>
+        </p:txBody>
+      </p:sp>
+      <p:sp>
+        <p:nvSpPr>
+          <p:cNvPr id="10" name="TextBox 9">
+            <a:extLst>
+              <a:ext uri="{FF2B5EF4-FFF2-40B4-BE49-F238E27FC236}">
+                <a16:creationId xmlns:a16="http://schemas.microsoft.com/office/drawing/2014/main" id="{4FB4A222-4B5C-2646-A610-3C479D788CFC}"/>
+              </a:ext>
+            </a:extLst>
+          </p:cNvPr>
+          <p:cNvSpPr txBox="1"/>
+          <p:nvPr/>
+        </p:nvSpPr>
+        <p:spPr>
+          <a:xfrm>
+            <a:off x="3481832" y="2322658"/>
+            <a:ext cx="484227" cy="707886"/>
+          </a:xfrm>
+          <a:prstGeom prst="rect">
+            <a:avLst/>
+          </a:prstGeom>
+          <a:noFill/>
+        </p:spPr>
+        <p:txBody>
+          <a:bodyPr wrap="none" rtlCol="0">
+            <a:spAutoFit/>
+          </a:bodyPr>
+          <a:lstStyle/>
+          <a:p>
+            <a:r>
+              <a:rPr lang="en-US" sz="4000" dirty="0"/>
+              <a:t>+</a:t>
+            </a:r>
+          </a:p>
+        </p:txBody>
+      </p:sp>
+      <p:sp>
+        <p:nvSpPr>
+          <p:cNvPr id="11" name="TextBox 10">
+            <a:extLst>
+              <a:ext uri="{FF2B5EF4-FFF2-40B4-BE49-F238E27FC236}">
+                <a16:creationId xmlns:a16="http://schemas.microsoft.com/office/drawing/2014/main" id="{787DB834-1A2F-404B-96E9-0A23023E2921}"/>
+              </a:ext>
+            </a:extLst>
+          </p:cNvPr>
+          <p:cNvSpPr txBox="1"/>
+          <p:nvPr/>
+        </p:nvSpPr>
+        <p:spPr>
+          <a:xfrm>
+            <a:off x="5302067" y="2316297"/>
+            <a:ext cx="484227" cy="707886"/>
+          </a:xfrm>
+          <a:prstGeom prst="rect">
+            <a:avLst/>
+          </a:prstGeom>
+          <a:noFill/>
+        </p:spPr>
+        <p:txBody>
+          <a:bodyPr wrap="none" rtlCol="0">
+            <a:spAutoFit/>
+          </a:bodyPr>
+          <a:lstStyle/>
+          <a:p>
+            <a:r>
+              <a:rPr lang="en-US" sz="4000" dirty="0"/>
+              <a:t>+</a:t>
+            </a:r>
+          </a:p>
+        </p:txBody>
+      </p:sp>
+      <p:sp>
+        <p:nvSpPr>
+          <p:cNvPr id="12" name="TextBox 11">
+            <a:extLst>
+              <a:ext uri="{FF2B5EF4-FFF2-40B4-BE49-F238E27FC236}">
+                <a16:creationId xmlns:a16="http://schemas.microsoft.com/office/drawing/2014/main" id="{EE4BA85D-6520-9C45-BF86-2B0A13FAD526}"/>
+              </a:ext>
+            </a:extLst>
+          </p:cNvPr>
+          <p:cNvSpPr txBox="1"/>
+          <p:nvPr/>
+        </p:nvSpPr>
+        <p:spPr>
+          <a:xfrm>
+            <a:off x="4981662" y="3941660"/>
+            <a:ext cx="1095172" cy="646331"/>
+          </a:xfrm>
+          <a:prstGeom prst="rect">
+            <a:avLst/>
+          </a:prstGeom>
+          <a:solidFill>
+            <a:schemeClr val="bg2">
+              <a:lumMod val="85000"/>
+            </a:schemeClr>
+          </a:solidFill>
+          <a:ln>
+            <a:noFill/>
+          </a:ln>
+        </p:spPr>
+        <p:txBody>
+          <a:bodyPr wrap="none" rtlCol="0">
+            <a:spAutoFit/>
+          </a:bodyPr>
+          <a:lstStyle/>
+          <a:p>
+            <a:pPr algn="ctr"/>
+            <a:r>
+              <a:rPr lang="en-US" sz="1800" dirty="0"/>
+              <a:t>Complex</a:t>
+            </a:r>
+          </a:p>
+          <a:p>
+            <a:pPr algn="ctr"/>
+            <a:r>
+              <a:rPr lang="en-US" sz="1800" dirty="0"/>
+              <a:t>(TL)</a:t>
+            </a:r>
+          </a:p>
+        </p:txBody>
+      </p:sp>
+      <p:sp>
+        <p:nvSpPr>
+          <p:cNvPr id="14" name="TextBox 13">
+            <a:extLst>
+              <a:ext uri="{FF2B5EF4-FFF2-40B4-BE49-F238E27FC236}">
+                <a16:creationId xmlns:a16="http://schemas.microsoft.com/office/drawing/2014/main" id="{B7244F9C-75AA-CB44-805B-A7394A924D32}"/>
+              </a:ext>
+            </a:extLst>
+          </p:cNvPr>
+          <p:cNvSpPr txBox="1"/>
+          <p:nvPr/>
+        </p:nvSpPr>
+        <p:spPr>
+          <a:xfrm>
+            <a:off x="720224" y="2330815"/>
+            <a:ext cx="915635" cy="646331"/>
+          </a:xfrm>
+          <a:prstGeom prst="rect">
+            <a:avLst/>
+          </a:prstGeom>
+          <a:solidFill>
+            <a:schemeClr val="bg2">
+              <a:lumMod val="85000"/>
+            </a:schemeClr>
+          </a:solidFill>
+          <a:ln>
+            <a:noFill/>
+          </a:ln>
+        </p:spPr>
+        <p:txBody>
+          <a:bodyPr wrap="none" rtlCol="0">
+            <a:spAutoFit/>
+          </a:bodyPr>
+          <a:lstStyle/>
+          <a:p>
+            <a:pPr algn="ctr"/>
+            <a:r>
+              <a:rPr lang="en-US" sz="1800" dirty="0"/>
+              <a:t>Drug</a:t>
+            </a:r>
+          </a:p>
+          <a:p>
+            <a:pPr algn="ctr"/>
+            <a:r>
+              <a:rPr lang="en-US" dirty="0" err="1"/>
+              <a:t>P</a:t>
+            </a:r>
+            <a:r>
+              <a:rPr lang="en-US" sz="1800" dirty="0" err="1"/>
+              <a:t>eriph</a:t>
+            </a:r>
+            <a:r>
+              <a:rPr lang="en-US" sz="1800" dirty="0"/>
+              <a:t>.</a:t>
+            </a:r>
+          </a:p>
+        </p:txBody>
+      </p:sp>
+      <p:cxnSp>
+        <p:nvCxnSpPr>
+          <p:cNvPr id="16" name="Straight Arrow Connector 15">
+            <a:extLst>
+              <a:ext uri="{FF2B5EF4-FFF2-40B4-BE49-F238E27FC236}">
+                <a16:creationId xmlns:a16="http://schemas.microsoft.com/office/drawing/2014/main" id="{8A525396-A806-1545-BAE7-9FEE265259D5}"/>
+              </a:ext>
+            </a:extLst>
+          </p:cNvPr>
+          <p:cNvCxnSpPr/>
+          <p:nvPr/>
+        </p:nvCxnSpPr>
+        <p:spPr>
+          <a:xfrm>
+            <a:off x="6383775" y="1962541"/>
+            <a:ext cx="0" cy="374237"/>
+          </a:xfrm>
+          <a:prstGeom prst="straightConnector1">
+            <a:avLst/>
+          </a:prstGeom>
+          <a:ln>
+            <a:solidFill>
+              <a:schemeClr val="tx1"/>
+            </a:solidFill>
+            <a:tailEnd type="arrow"/>
+          </a:ln>
+          <a:effectLst/>
+        </p:spPr>
+        <p:style>
+          <a:lnRef idx="2">
+            <a:schemeClr val="accent1"/>
+          </a:lnRef>
+          <a:fillRef idx="0">
+            <a:schemeClr val="accent1"/>
+          </a:fillRef>
+          <a:effectRef idx="1">
+            <a:schemeClr val="accent1"/>
+          </a:effectRef>
+          <a:fontRef idx="minor">
+            <a:schemeClr val="tx1"/>
+          </a:fontRef>
+        </p:style>
+      </p:cxnSp>
+      <p:cxnSp>
+        <p:nvCxnSpPr>
+          <p:cNvPr id="17" name="Straight Arrow Connector 16">
+            <a:extLst>
+              <a:ext uri="{FF2B5EF4-FFF2-40B4-BE49-F238E27FC236}">
+                <a16:creationId xmlns:a16="http://schemas.microsoft.com/office/drawing/2014/main" id="{F524F1D5-93B8-4140-9547-92D55AD8AB49}"/>
+              </a:ext>
+            </a:extLst>
+          </p:cNvPr>
+          <p:cNvCxnSpPr/>
+          <p:nvPr/>
+        </p:nvCxnSpPr>
+        <p:spPr>
+          <a:xfrm>
+            <a:off x="3736260" y="4611935"/>
+            <a:ext cx="0" cy="290677"/>
+          </a:xfrm>
+          <a:prstGeom prst="straightConnector1">
+            <a:avLst/>
+          </a:prstGeom>
+          <a:ln>
+            <a:solidFill>
+              <a:schemeClr val="tx1"/>
+            </a:solidFill>
+            <a:tailEnd type="arrow"/>
+          </a:ln>
+          <a:effectLst/>
+        </p:spPr>
+        <p:style>
+          <a:lnRef idx="2">
+            <a:schemeClr val="accent1"/>
+          </a:lnRef>
+          <a:fillRef idx="0">
+            <a:schemeClr val="accent1"/>
+          </a:fillRef>
+          <a:effectRef idx="1">
+            <a:schemeClr val="accent1"/>
+          </a:effectRef>
+          <a:fontRef idx="minor">
+            <a:schemeClr val="tx1"/>
+          </a:fontRef>
+        </p:style>
+      </p:cxnSp>
+      <p:cxnSp>
+        <p:nvCxnSpPr>
+          <p:cNvPr id="20" name="Straight Arrow Connector 19">
+            <a:extLst>
+              <a:ext uri="{FF2B5EF4-FFF2-40B4-BE49-F238E27FC236}">
+                <a16:creationId xmlns:a16="http://schemas.microsoft.com/office/drawing/2014/main" id="{FFAD2561-3FEC-B34E-A2FC-14EEC17B3C19}"/>
+              </a:ext>
+            </a:extLst>
+          </p:cNvPr>
+          <p:cNvCxnSpPr/>
+          <p:nvPr/>
+        </p:nvCxnSpPr>
+        <p:spPr>
+          <a:xfrm>
+            <a:off x="5550235" y="4611935"/>
+            <a:ext cx="0" cy="290677"/>
+          </a:xfrm>
+          <a:prstGeom prst="straightConnector1">
+            <a:avLst/>
+          </a:prstGeom>
+          <a:ln>
+            <a:solidFill>
+              <a:schemeClr val="tx1"/>
+            </a:solidFill>
+            <a:tailEnd type="arrow"/>
+          </a:ln>
+          <a:effectLst/>
+        </p:spPr>
+        <p:style>
+          <a:lnRef idx="2">
+            <a:schemeClr val="accent1"/>
+          </a:lnRef>
+          <a:fillRef idx="0">
+            <a:schemeClr val="accent1"/>
+          </a:fillRef>
+          <a:effectRef idx="1">
+            <a:schemeClr val="accent1"/>
+          </a:effectRef>
+          <a:fontRef idx="minor">
+            <a:schemeClr val="tx1"/>
+          </a:fontRef>
+        </p:style>
+      </p:cxnSp>
+      <p:sp>
+        <p:nvSpPr>
+          <p:cNvPr id="22" name="TextBox 21">
+            <a:extLst>
+              <a:ext uri="{FF2B5EF4-FFF2-40B4-BE49-F238E27FC236}">
+                <a16:creationId xmlns:a16="http://schemas.microsoft.com/office/drawing/2014/main" id="{7FB0B660-1BBF-4746-BDB7-94D1818B4C55}"/>
+              </a:ext>
+            </a:extLst>
+          </p:cNvPr>
+          <p:cNvSpPr txBox="1"/>
+          <p:nvPr/>
+        </p:nvSpPr>
+        <p:spPr>
+          <a:xfrm>
+            <a:off x="4228396" y="2330815"/>
+            <a:ext cx="857940" cy="646331"/>
+          </a:xfrm>
+          <a:prstGeom prst="rect">
+            <a:avLst/>
+          </a:prstGeom>
+          <a:solidFill>
+            <a:schemeClr val="bg2">
+              <a:lumMod val="85000"/>
+            </a:schemeClr>
+          </a:solidFill>
+          <a:ln>
+            <a:noFill/>
+          </a:ln>
+        </p:spPr>
+        <p:txBody>
+          <a:bodyPr wrap="square" rtlCol="0">
+            <a:spAutoFit/>
+          </a:bodyPr>
+          <a:lstStyle/>
+          <a:p>
+            <a:pPr algn="ctr"/>
+            <a:r>
+              <a:rPr lang="en-US" sz="1800" dirty="0"/>
+              <a:t>Target</a:t>
+            </a:r>
+          </a:p>
+          <a:p>
+            <a:pPr algn="ctr"/>
+            <a:r>
+              <a:rPr lang="en-US" dirty="0"/>
+              <a:t>(T)</a:t>
+            </a:r>
+            <a:endParaRPr lang="en-US" sz="1800" dirty="0"/>
+          </a:p>
+        </p:txBody>
+      </p:sp>
+      <p:sp>
+        <p:nvSpPr>
+          <p:cNvPr id="23" name="Explosion 2 22">
+            <a:extLst>
+              <a:ext uri="{FF2B5EF4-FFF2-40B4-BE49-F238E27FC236}">
+                <a16:creationId xmlns:a16="http://schemas.microsoft.com/office/drawing/2014/main" id="{70E62D75-6AE2-1745-A040-6ECF717EAEC5}"/>
+              </a:ext>
+            </a:extLst>
+          </p:cNvPr>
+          <p:cNvSpPr/>
+          <p:nvPr/>
+        </p:nvSpPr>
+        <p:spPr>
+          <a:xfrm>
+            <a:off x="6203994" y="3592350"/>
+            <a:ext cx="1259995" cy="927159"/>
+          </a:xfrm>
+          <a:prstGeom prst="irregularSeal2">
+            <a:avLst/>
+          </a:prstGeom>
+          <a:solidFill>
+            <a:schemeClr val="accent1">
+              <a:lumMod val="20000"/>
+              <a:lumOff val="80000"/>
+            </a:schemeClr>
+          </a:solidFill>
+          <a:ln w="3175">
+            <a:solidFill>
+              <a:schemeClr val="tx1"/>
+            </a:solidFill>
+          </a:ln>
+          <a:effectLst/>
+        </p:spPr>
+        <p:style>
+          <a:lnRef idx="2">
+            <a:schemeClr val="accent1"/>
+          </a:lnRef>
+          <a:fillRef idx="0">
+            <a:schemeClr val="accent1"/>
+          </a:fillRef>
+          <a:effectRef idx="1">
+            <a:schemeClr val="accent1"/>
+          </a:effectRef>
+          <a:fontRef idx="minor">
+            <a:schemeClr val="tx1"/>
+          </a:fontRef>
+        </p:style>
+        <p:txBody>
+          <a:bodyPr lIns="0" tIns="0" rIns="0" bIns="0" rtlCol="0" anchor="ctr"/>
+          <a:lstStyle/>
+          <a:p>
+            <a:pPr algn="ctr"/>
+            <a:r>
+              <a:rPr lang="en-US" sz="1400" dirty="0"/>
+              <a:t>Signal</a:t>
+            </a:r>
+          </a:p>
+        </p:txBody>
+      </p:sp>
+      <p:cxnSp>
+        <p:nvCxnSpPr>
+          <p:cNvPr id="25" name="Straight Arrow Connector 24">
+            <a:extLst>
+              <a:ext uri="{FF2B5EF4-FFF2-40B4-BE49-F238E27FC236}">
+                <a16:creationId xmlns:a16="http://schemas.microsoft.com/office/drawing/2014/main" id="{BF67A7E6-077A-FD42-876F-8A3D1FF535BF}"/>
+              </a:ext>
+            </a:extLst>
+          </p:cNvPr>
+          <p:cNvCxnSpPr/>
+          <p:nvPr/>
+        </p:nvCxnSpPr>
+        <p:spPr>
+          <a:xfrm>
+            <a:off x="4660706" y="1958127"/>
+            <a:ext cx="0" cy="374237"/>
+          </a:xfrm>
+          <a:prstGeom prst="straightConnector1">
+            <a:avLst/>
+          </a:prstGeom>
+          <a:ln>
+            <a:solidFill>
+              <a:schemeClr val="tx1"/>
+            </a:solidFill>
+            <a:tailEnd type="arrow"/>
+          </a:ln>
+          <a:effectLst/>
+        </p:spPr>
+        <p:style>
+          <a:lnRef idx="2">
+            <a:schemeClr val="accent1"/>
+          </a:lnRef>
+          <a:fillRef idx="0">
+            <a:schemeClr val="accent1"/>
+          </a:fillRef>
+          <a:effectRef idx="1">
+            <a:schemeClr val="accent1"/>
+          </a:effectRef>
+          <a:fontRef idx="minor">
+            <a:schemeClr val="tx1"/>
+          </a:fontRef>
+        </p:style>
+      </p:cxnSp>
+      <p:cxnSp>
+        <p:nvCxnSpPr>
+          <p:cNvPr id="27" name="Straight Arrow Connector 26">
+            <a:extLst>
+              <a:ext uri="{FF2B5EF4-FFF2-40B4-BE49-F238E27FC236}">
+                <a16:creationId xmlns:a16="http://schemas.microsoft.com/office/drawing/2014/main" id="{68D5AD81-4092-B843-951F-D07AF292039B}"/>
+              </a:ext>
+            </a:extLst>
+          </p:cNvPr>
+          <p:cNvCxnSpPr/>
+          <p:nvPr/>
+        </p:nvCxnSpPr>
+        <p:spPr>
+          <a:xfrm>
+            <a:off x="4660706" y="3001732"/>
+            <a:ext cx="0" cy="374237"/>
+          </a:xfrm>
+          <a:prstGeom prst="straightConnector1">
+            <a:avLst/>
+          </a:prstGeom>
+          <a:ln>
+            <a:solidFill>
+              <a:schemeClr val="tx1"/>
+            </a:solidFill>
+            <a:tailEnd type="arrow"/>
+          </a:ln>
+          <a:effectLst/>
+        </p:spPr>
+        <p:style>
+          <a:lnRef idx="2">
+            <a:schemeClr val="accent1"/>
+          </a:lnRef>
+          <a:fillRef idx="0">
+            <a:schemeClr val="accent1"/>
+          </a:fillRef>
+          <a:effectRef idx="1">
+            <a:schemeClr val="accent1"/>
+          </a:effectRef>
+          <a:fontRef idx="minor">
+            <a:schemeClr val="tx1"/>
+          </a:fontRef>
+        </p:style>
+      </p:cxnSp>
+      <p:sp>
+        <p:nvSpPr>
+          <p:cNvPr id="31" name="TextBox 30">
+            <a:extLst>
+              <a:ext uri="{FF2B5EF4-FFF2-40B4-BE49-F238E27FC236}">
+                <a16:creationId xmlns:a16="http://schemas.microsoft.com/office/drawing/2014/main" id="{E3D2C345-D44B-C045-BBC7-C43241AED214}"/>
+              </a:ext>
+            </a:extLst>
+          </p:cNvPr>
+          <p:cNvSpPr txBox="1"/>
+          <p:nvPr/>
+        </p:nvSpPr>
+        <p:spPr>
+          <a:xfrm>
+            <a:off x="3107568" y="3280220"/>
+            <a:ext cx="1230850" cy="246221"/>
+          </a:xfrm>
+          <a:prstGeom prst="rect">
+            <a:avLst/>
+          </a:prstGeom>
+          <a:noFill/>
+        </p:spPr>
+        <p:txBody>
+          <a:bodyPr wrap="square" lIns="0" tIns="0" rIns="0" bIns="0" rtlCol="0">
+            <a:spAutoFit/>
+          </a:bodyPr>
+          <a:lstStyle/>
+          <a:p>
+            <a:pPr algn="ctr"/>
+            <a:r>
+              <a:rPr lang="en-US" sz="1600" dirty="0"/>
+              <a:t>k</a:t>
+            </a:r>
+            <a:r>
+              <a:rPr lang="en-US" sz="1600" baseline="-25000" dirty="0"/>
+              <a:t>onDT      </a:t>
+            </a:r>
+            <a:r>
+              <a:rPr lang="en-US" sz="1600" dirty="0"/>
+              <a:t>k</a:t>
+            </a:r>
+            <a:r>
+              <a:rPr lang="en-US" sz="1600" baseline="-25000" dirty="0"/>
+              <a:t>offDT</a:t>
+            </a:r>
+          </a:p>
+        </p:txBody>
+      </p:sp>
+      <p:sp>
+        <p:nvSpPr>
+          <p:cNvPr id="32" name="TextBox 31">
+            <a:extLst>
+              <a:ext uri="{FF2B5EF4-FFF2-40B4-BE49-F238E27FC236}">
+                <a16:creationId xmlns:a16="http://schemas.microsoft.com/office/drawing/2014/main" id="{729E976D-4620-5347-BEDF-6B2359FA94BD}"/>
+              </a:ext>
+            </a:extLst>
+          </p:cNvPr>
+          <p:cNvSpPr txBox="1"/>
+          <p:nvPr/>
+        </p:nvSpPr>
+        <p:spPr>
+          <a:xfrm>
+            <a:off x="4779433" y="1961709"/>
+            <a:ext cx="657532" cy="246221"/>
+          </a:xfrm>
+          <a:prstGeom prst="rect">
+            <a:avLst/>
+          </a:prstGeom>
+          <a:noFill/>
+        </p:spPr>
+        <p:txBody>
+          <a:bodyPr wrap="square" lIns="0" tIns="0" rIns="0" bIns="0" rtlCol="0">
+            <a:spAutoFit/>
+          </a:bodyPr>
+          <a:lstStyle/>
+          <a:p>
+            <a:r>
+              <a:rPr lang="en-US" sz="1600" dirty="0"/>
+              <a:t>k</a:t>
+            </a:r>
+            <a:r>
+              <a:rPr lang="en-US" sz="1600" baseline="-25000" dirty="0"/>
+              <a:t>synT</a:t>
+            </a:r>
+          </a:p>
+        </p:txBody>
+      </p:sp>
+      <p:sp>
+        <p:nvSpPr>
+          <p:cNvPr id="38" name="TextBox 37">
+            <a:extLst>
+              <a:ext uri="{FF2B5EF4-FFF2-40B4-BE49-F238E27FC236}">
+                <a16:creationId xmlns:a16="http://schemas.microsoft.com/office/drawing/2014/main" id="{BFDCDC8F-4A75-0548-8736-1A4FC92E6F2E}"/>
+              </a:ext>
+            </a:extLst>
+          </p:cNvPr>
+          <p:cNvSpPr txBox="1"/>
+          <p:nvPr/>
+        </p:nvSpPr>
+        <p:spPr>
+          <a:xfrm>
+            <a:off x="6480912" y="1961709"/>
+            <a:ext cx="657532" cy="246221"/>
+          </a:xfrm>
+          <a:prstGeom prst="rect">
+            <a:avLst/>
+          </a:prstGeom>
+          <a:noFill/>
+        </p:spPr>
+        <p:txBody>
+          <a:bodyPr wrap="square" lIns="0" tIns="0" rIns="0" bIns="0" rtlCol="0">
+            <a:spAutoFit/>
+          </a:bodyPr>
+          <a:lstStyle/>
+          <a:p>
+            <a:r>
+              <a:rPr lang="en-US" sz="1600" dirty="0"/>
+              <a:t>k</a:t>
+            </a:r>
+            <a:r>
+              <a:rPr lang="en-US" sz="1600" baseline="-25000" dirty="0"/>
+              <a:t>synL</a:t>
+            </a:r>
+          </a:p>
+        </p:txBody>
+      </p:sp>
+      <p:sp>
+        <p:nvSpPr>
+          <p:cNvPr id="39" name="TextBox 38">
+            <a:extLst>
+              <a:ext uri="{FF2B5EF4-FFF2-40B4-BE49-F238E27FC236}">
+                <a16:creationId xmlns:a16="http://schemas.microsoft.com/office/drawing/2014/main" id="{410338D7-6DF5-354A-B8A3-8BDF4196FE37}"/>
+              </a:ext>
+            </a:extLst>
+          </p:cNvPr>
+          <p:cNvSpPr txBox="1"/>
+          <p:nvPr/>
+        </p:nvSpPr>
+        <p:spPr>
+          <a:xfrm>
+            <a:off x="6480912" y="2980281"/>
+            <a:ext cx="657532" cy="246221"/>
+          </a:xfrm>
+          <a:prstGeom prst="rect">
+            <a:avLst/>
+          </a:prstGeom>
+          <a:noFill/>
+        </p:spPr>
+        <p:txBody>
+          <a:bodyPr wrap="square" lIns="0" tIns="0" rIns="0" bIns="0" rtlCol="0">
+            <a:spAutoFit/>
+          </a:bodyPr>
+          <a:lstStyle/>
+          <a:p>
+            <a:r>
+              <a:rPr lang="en-US" sz="1600" dirty="0"/>
+              <a:t>k</a:t>
+            </a:r>
+            <a:r>
+              <a:rPr lang="en-US" sz="1600" baseline="-25000" dirty="0"/>
+              <a:t>eL</a:t>
+            </a:r>
+          </a:p>
+        </p:txBody>
+      </p:sp>
+      <p:sp>
+        <p:nvSpPr>
+          <p:cNvPr id="40" name="TextBox 39">
+            <a:extLst>
+              <a:ext uri="{FF2B5EF4-FFF2-40B4-BE49-F238E27FC236}">
+                <a16:creationId xmlns:a16="http://schemas.microsoft.com/office/drawing/2014/main" id="{EB514F05-7B8D-F54E-A24D-6584007BB9EC}"/>
+              </a:ext>
+            </a:extLst>
+          </p:cNvPr>
+          <p:cNvSpPr txBox="1"/>
+          <p:nvPr/>
+        </p:nvSpPr>
+        <p:spPr>
+          <a:xfrm>
+            <a:off x="4744710" y="2991856"/>
+            <a:ext cx="750550" cy="246221"/>
+          </a:xfrm>
+          <a:prstGeom prst="rect">
+            <a:avLst/>
+          </a:prstGeom>
+          <a:noFill/>
+        </p:spPr>
+        <p:txBody>
+          <a:bodyPr wrap="square" lIns="0" tIns="0" rIns="0" bIns="0" rtlCol="0">
+            <a:spAutoFit/>
+          </a:bodyPr>
+          <a:lstStyle/>
+          <a:p>
+            <a:r>
+              <a:rPr lang="en-US" sz="1600" dirty="0">
+                <a:solidFill>
+                  <a:srgbClr val="FF0000"/>
+                </a:solidFill>
+              </a:rPr>
+              <a:t>f(DT)</a:t>
+            </a:r>
+          </a:p>
+        </p:txBody>
+      </p:sp>
+      <p:sp>
+        <p:nvSpPr>
+          <p:cNvPr id="41" name="TextBox 40">
+            <a:extLst>
+              <a:ext uri="{FF2B5EF4-FFF2-40B4-BE49-F238E27FC236}">
+                <a16:creationId xmlns:a16="http://schemas.microsoft.com/office/drawing/2014/main" id="{67C17986-BBF9-434E-9E0B-195893794331}"/>
+              </a:ext>
+            </a:extLst>
+          </p:cNvPr>
+          <p:cNvSpPr txBox="1"/>
+          <p:nvPr/>
+        </p:nvSpPr>
+        <p:spPr>
+          <a:xfrm>
+            <a:off x="3830343" y="4647038"/>
+            <a:ext cx="657532" cy="246221"/>
+          </a:xfrm>
+          <a:prstGeom prst="rect">
+            <a:avLst/>
+          </a:prstGeom>
+          <a:noFill/>
+        </p:spPr>
+        <p:txBody>
+          <a:bodyPr wrap="square" lIns="0" tIns="0" rIns="0" bIns="0" rtlCol="0">
+            <a:spAutoFit/>
+          </a:bodyPr>
+          <a:lstStyle/>
+          <a:p>
+            <a:r>
+              <a:rPr lang="en-US" sz="1600" dirty="0"/>
+              <a:t>k</a:t>
+            </a:r>
+            <a:r>
+              <a:rPr lang="en-US" sz="1600" baseline="-25000" dirty="0"/>
+              <a:t>eDT</a:t>
+            </a:r>
+          </a:p>
+        </p:txBody>
+      </p:sp>
+      <p:sp>
+        <p:nvSpPr>
+          <p:cNvPr id="42" name="TextBox 41">
+            <a:extLst>
+              <a:ext uri="{FF2B5EF4-FFF2-40B4-BE49-F238E27FC236}">
+                <a16:creationId xmlns:a16="http://schemas.microsoft.com/office/drawing/2014/main" id="{6CAF024A-0A8E-8843-B9EE-7ECA44B5DE54}"/>
+              </a:ext>
+            </a:extLst>
+          </p:cNvPr>
+          <p:cNvSpPr txBox="1"/>
+          <p:nvPr/>
+        </p:nvSpPr>
+        <p:spPr>
+          <a:xfrm>
+            <a:off x="5670686" y="4647038"/>
+            <a:ext cx="657532" cy="246221"/>
+          </a:xfrm>
+          <a:prstGeom prst="rect">
+            <a:avLst/>
+          </a:prstGeom>
+          <a:noFill/>
+        </p:spPr>
+        <p:txBody>
+          <a:bodyPr wrap="square" lIns="0" tIns="0" rIns="0" bIns="0" rtlCol="0">
+            <a:spAutoFit/>
+          </a:bodyPr>
+          <a:lstStyle/>
+          <a:p>
+            <a:r>
+              <a:rPr lang="en-US" sz="1600" dirty="0"/>
+              <a:t>k</a:t>
+            </a:r>
+            <a:r>
+              <a:rPr lang="en-US" sz="1600" baseline="-25000" dirty="0"/>
+              <a:t>eTL</a:t>
+            </a:r>
+          </a:p>
+        </p:txBody>
+      </p:sp>
+      <p:sp>
+        <p:nvSpPr>
+          <p:cNvPr id="43" name="TextBox 42">
+            <a:extLst>
+              <a:ext uri="{FF2B5EF4-FFF2-40B4-BE49-F238E27FC236}">
+                <a16:creationId xmlns:a16="http://schemas.microsoft.com/office/drawing/2014/main" id="{0D35CF90-8E71-5D42-ADB8-E6F4EC51F030}"/>
+              </a:ext>
+            </a:extLst>
+          </p:cNvPr>
+          <p:cNvSpPr txBox="1"/>
+          <p:nvPr/>
+        </p:nvSpPr>
+        <p:spPr>
+          <a:xfrm>
+            <a:off x="4947910" y="3303370"/>
+            <a:ext cx="1230850" cy="246221"/>
+          </a:xfrm>
+          <a:prstGeom prst="rect">
+            <a:avLst/>
+          </a:prstGeom>
+          <a:noFill/>
+        </p:spPr>
+        <p:txBody>
+          <a:bodyPr wrap="square" lIns="0" tIns="0" rIns="0" bIns="0" rtlCol="0">
+            <a:spAutoFit/>
+          </a:bodyPr>
+          <a:lstStyle/>
+          <a:p>
+            <a:pPr algn="ctr"/>
+            <a:r>
+              <a:rPr lang="en-US" sz="1600" dirty="0"/>
+              <a:t>k</a:t>
+            </a:r>
+            <a:r>
+              <a:rPr lang="en-US" sz="1600" baseline="-25000" dirty="0"/>
+              <a:t>onTL      </a:t>
+            </a:r>
+            <a:r>
+              <a:rPr lang="en-US" sz="1600" dirty="0"/>
+              <a:t>k</a:t>
+            </a:r>
+            <a:r>
+              <a:rPr lang="en-US" sz="1600" baseline="-25000" dirty="0"/>
+              <a:t>offTL</a:t>
+            </a:r>
+          </a:p>
+        </p:txBody>
+      </p:sp>
+      <p:grpSp>
+        <p:nvGrpSpPr>
+          <p:cNvPr id="44" name="Group 43">
+            <a:extLst>
+              <a:ext uri="{FF2B5EF4-FFF2-40B4-BE49-F238E27FC236}">
+                <a16:creationId xmlns:a16="http://schemas.microsoft.com/office/drawing/2014/main" id="{2099199F-CD75-2B4E-8CF6-B0E61D00196E}"/>
+              </a:ext>
+            </a:extLst>
+          </p:cNvPr>
+          <p:cNvGrpSpPr/>
+          <p:nvPr/>
+        </p:nvGrpSpPr>
+        <p:grpSpPr>
+          <a:xfrm>
+            <a:off x="3667083" y="3028592"/>
+            <a:ext cx="89815" cy="786693"/>
+            <a:chOff x="3612754" y="2961087"/>
+            <a:chExt cx="52695" cy="913068"/>
+          </a:xfrm>
+          <a:noFill/>
+        </p:grpSpPr>
+        <p:cxnSp>
+          <p:nvCxnSpPr>
+            <p:cNvPr id="45" name="Straight Arrow Connector 44">
+              <a:extLst>
+                <a:ext uri="{FF2B5EF4-FFF2-40B4-BE49-F238E27FC236}">
+                  <a16:creationId xmlns:a16="http://schemas.microsoft.com/office/drawing/2014/main" id="{E08E2580-D7C5-7543-8C99-33653B443D56}"/>
+                </a:ext>
+              </a:extLst>
+            </p:cNvPr>
+            <p:cNvCxnSpPr/>
+            <p:nvPr/>
+          </p:nvCxnSpPr>
+          <p:spPr>
+            <a:xfrm flipV="1">
+              <a:off x="3665449" y="2961087"/>
+              <a:ext cx="0" cy="893369"/>
+            </a:xfrm>
+            <a:prstGeom prst="straightConnector1">
+              <a:avLst/>
+            </a:prstGeom>
+            <a:grpFill/>
+            <a:ln w="19050" cmpd="sng">
+              <a:solidFill>
+                <a:schemeClr val="tx1"/>
+              </a:solidFill>
+              <a:headEnd type="none" w="med" len="med"/>
+              <a:tailEnd type="arrow" w="med" len="med"/>
+            </a:ln>
+            <a:effectLst/>
+          </p:spPr>
+          <p:style>
+            <a:lnRef idx="2">
+              <a:schemeClr val="accent1"/>
+            </a:lnRef>
+            <a:fillRef idx="0">
+              <a:schemeClr val="accent1"/>
+            </a:fillRef>
+            <a:effectRef idx="1">
+              <a:schemeClr val="accent1"/>
+            </a:effectRef>
+            <a:fontRef idx="minor">
+              <a:schemeClr val="tx1"/>
+            </a:fontRef>
+          </p:style>
+        </p:cxnSp>
+        <p:cxnSp>
+          <p:nvCxnSpPr>
+            <p:cNvPr id="46" name="Straight Arrow Connector 45">
+              <a:extLst>
+                <a:ext uri="{FF2B5EF4-FFF2-40B4-BE49-F238E27FC236}">
+                  <a16:creationId xmlns:a16="http://schemas.microsoft.com/office/drawing/2014/main" id="{BF434A91-CA95-894A-B080-41540070BFE7}"/>
+                </a:ext>
+              </a:extLst>
+            </p:cNvPr>
+            <p:cNvCxnSpPr/>
+            <p:nvPr/>
+          </p:nvCxnSpPr>
+          <p:spPr>
+            <a:xfrm>
+              <a:off x="3612754" y="2984384"/>
+              <a:ext cx="0" cy="889771"/>
+            </a:xfrm>
+            <a:prstGeom prst="straightConnector1">
+              <a:avLst/>
+            </a:prstGeom>
+            <a:grpFill/>
+            <a:ln w="19050" cmpd="sng">
+              <a:solidFill>
+                <a:schemeClr val="tx1"/>
+              </a:solidFill>
+              <a:headEnd type="none" w="med" len="med"/>
+              <a:tailEnd type="arrow" w="med" len="med"/>
+            </a:ln>
+            <a:effectLst/>
+          </p:spPr>
+          <p:style>
+            <a:lnRef idx="2">
+              <a:schemeClr val="accent1"/>
+            </a:lnRef>
+            <a:fillRef idx="0">
+              <a:schemeClr val="accent1"/>
+            </a:fillRef>
+            <a:effectRef idx="1">
+              <a:schemeClr val="accent1"/>
+            </a:effectRef>
+            <a:fontRef idx="minor">
+              <a:schemeClr val="tx1"/>
+            </a:fontRef>
+          </p:style>
+        </p:cxnSp>
+      </p:grpSp>
+      <p:grpSp>
+        <p:nvGrpSpPr>
+          <p:cNvPr id="47" name="Group 46">
+            <a:extLst>
+              <a:ext uri="{FF2B5EF4-FFF2-40B4-BE49-F238E27FC236}">
+                <a16:creationId xmlns:a16="http://schemas.microsoft.com/office/drawing/2014/main" id="{F019DD68-2422-3847-B208-4303FCC585FF}"/>
+              </a:ext>
+            </a:extLst>
+          </p:cNvPr>
+          <p:cNvGrpSpPr/>
+          <p:nvPr/>
+        </p:nvGrpSpPr>
+        <p:grpSpPr>
+          <a:xfrm>
+            <a:off x="5484276" y="3028592"/>
+            <a:ext cx="89815" cy="786693"/>
+            <a:chOff x="3612754" y="2961087"/>
+            <a:chExt cx="52695" cy="913068"/>
+          </a:xfrm>
+          <a:noFill/>
+        </p:grpSpPr>
+        <p:cxnSp>
+          <p:nvCxnSpPr>
+            <p:cNvPr id="48" name="Straight Arrow Connector 47">
+              <a:extLst>
+                <a:ext uri="{FF2B5EF4-FFF2-40B4-BE49-F238E27FC236}">
+                  <a16:creationId xmlns:a16="http://schemas.microsoft.com/office/drawing/2014/main" id="{6F389550-E36D-6545-935C-4D5D0B343F82}"/>
+                </a:ext>
+              </a:extLst>
+            </p:cNvPr>
+            <p:cNvCxnSpPr/>
+            <p:nvPr/>
+          </p:nvCxnSpPr>
+          <p:spPr>
+            <a:xfrm flipV="1">
+              <a:off x="3665449" y="2961087"/>
+              <a:ext cx="0" cy="893369"/>
+            </a:xfrm>
+            <a:prstGeom prst="straightConnector1">
+              <a:avLst/>
+            </a:prstGeom>
+            <a:grpFill/>
+            <a:ln w="19050" cmpd="sng">
+              <a:solidFill>
+                <a:schemeClr val="tx1"/>
+              </a:solidFill>
+              <a:headEnd type="none" w="med" len="med"/>
+              <a:tailEnd type="arrow" w="med" len="med"/>
+            </a:ln>
+            <a:effectLst/>
+          </p:spPr>
+          <p:style>
+            <a:lnRef idx="2">
+              <a:schemeClr val="accent1"/>
+            </a:lnRef>
+            <a:fillRef idx="0">
+              <a:schemeClr val="accent1"/>
+            </a:fillRef>
+            <a:effectRef idx="1">
+              <a:schemeClr val="accent1"/>
+            </a:effectRef>
+            <a:fontRef idx="minor">
+              <a:schemeClr val="tx1"/>
+            </a:fontRef>
+          </p:style>
+        </p:cxnSp>
+        <p:cxnSp>
+          <p:nvCxnSpPr>
+            <p:cNvPr id="49" name="Straight Arrow Connector 48">
+              <a:extLst>
+                <a:ext uri="{FF2B5EF4-FFF2-40B4-BE49-F238E27FC236}">
+                  <a16:creationId xmlns:a16="http://schemas.microsoft.com/office/drawing/2014/main" id="{F852F149-AB76-EB4F-A913-8763980795AB}"/>
+                </a:ext>
+              </a:extLst>
+            </p:cNvPr>
+            <p:cNvCxnSpPr/>
+            <p:nvPr/>
+          </p:nvCxnSpPr>
+          <p:spPr>
+            <a:xfrm>
+              <a:off x="3612754" y="2984384"/>
+              <a:ext cx="0" cy="889771"/>
+            </a:xfrm>
+            <a:prstGeom prst="straightConnector1">
+              <a:avLst/>
+            </a:prstGeom>
+            <a:grpFill/>
+            <a:ln w="19050" cmpd="sng">
+              <a:solidFill>
+                <a:schemeClr val="tx1"/>
+              </a:solidFill>
+              <a:headEnd type="none" w="med" len="med"/>
+              <a:tailEnd type="arrow" w="med" len="med"/>
+            </a:ln>
+            <a:effectLst/>
+          </p:spPr>
+          <p:style>
+            <a:lnRef idx="2">
+              <a:schemeClr val="accent1"/>
+            </a:lnRef>
+            <a:fillRef idx="0">
+              <a:schemeClr val="accent1"/>
+            </a:fillRef>
+            <a:effectRef idx="1">
+              <a:schemeClr val="accent1"/>
+            </a:effectRef>
+            <a:fontRef idx="minor">
+              <a:schemeClr val="tx1"/>
+            </a:fontRef>
+          </p:style>
+        </p:cxnSp>
+      </p:grpSp>
+      <p:grpSp>
+        <p:nvGrpSpPr>
+          <p:cNvPr id="6" name="Group 5">
+            <a:extLst>
+              <a:ext uri="{FF2B5EF4-FFF2-40B4-BE49-F238E27FC236}">
+                <a16:creationId xmlns:a16="http://schemas.microsoft.com/office/drawing/2014/main" id="{EC280116-B66F-194B-A449-3BE01B950F76}"/>
+              </a:ext>
+            </a:extLst>
+          </p:cNvPr>
+          <p:cNvGrpSpPr/>
+          <p:nvPr/>
+        </p:nvGrpSpPr>
+        <p:grpSpPr>
+          <a:xfrm>
+            <a:off x="1915665" y="2241617"/>
+            <a:ext cx="711957" cy="738664"/>
+            <a:chOff x="1774877" y="2226461"/>
+            <a:chExt cx="711957" cy="738664"/>
+          </a:xfrm>
+          <a:noFill/>
+        </p:grpSpPr>
+        <p:sp>
+          <p:nvSpPr>
+            <p:cNvPr id="36" name="TextBox 35">
+              <a:extLst>
+                <a:ext uri="{FF2B5EF4-FFF2-40B4-BE49-F238E27FC236}">
+                  <a16:creationId xmlns:a16="http://schemas.microsoft.com/office/drawing/2014/main" id="{2D909DAC-152C-6341-BDA3-E4322566F3B5}"/>
+                </a:ext>
+              </a:extLst>
+            </p:cNvPr>
+            <p:cNvSpPr txBox="1"/>
+            <p:nvPr/>
+          </p:nvSpPr>
+          <p:spPr>
+            <a:xfrm>
+              <a:off x="1829302" y="2226461"/>
+              <a:ext cx="657532" cy="738664"/>
+            </a:xfrm>
+            <a:prstGeom prst="rect">
+              <a:avLst/>
+            </a:prstGeom>
+            <a:grpFill/>
+          </p:spPr>
+          <p:txBody>
+            <a:bodyPr wrap="square" lIns="0" tIns="0" rIns="0" bIns="0" rtlCol="0">
+              <a:spAutoFit/>
+            </a:bodyPr>
+            <a:lstStyle/>
+            <a:p>
+              <a:r>
+                <a:rPr lang="en-US" sz="1600" dirty="0"/>
+                <a:t>k</a:t>
+              </a:r>
+              <a:r>
+                <a:rPr lang="en-US" sz="1600" baseline="-25000" dirty="0"/>
+                <a:t>12</a:t>
+              </a:r>
+            </a:p>
+            <a:p>
+              <a:r>
+                <a:rPr lang="en-US" sz="1600" dirty="0"/>
+                <a:t> </a:t>
+              </a:r>
+            </a:p>
+            <a:p>
+              <a:r>
+                <a:rPr lang="en-US" sz="1600" dirty="0"/>
+                <a:t>k</a:t>
+              </a:r>
+              <a:r>
+                <a:rPr lang="en-US" sz="1600" baseline="-25000" dirty="0"/>
+                <a:t>21</a:t>
+              </a:r>
+            </a:p>
+          </p:txBody>
+        </p:sp>
+        <p:grpSp>
+          <p:nvGrpSpPr>
+            <p:cNvPr id="50" name="Group 49">
+              <a:extLst>
+                <a:ext uri="{FF2B5EF4-FFF2-40B4-BE49-F238E27FC236}">
+                  <a16:creationId xmlns:a16="http://schemas.microsoft.com/office/drawing/2014/main" id="{C22C52C2-85DE-A841-8581-B02DF1C8B21C}"/>
+                </a:ext>
+              </a:extLst>
+            </p:cNvPr>
+            <p:cNvGrpSpPr/>
+            <p:nvPr/>
+          </p:nvGrpSpPr>
+          <p:grpSpPr>
+            <a:xfrm rot="5400000">
+              <a:off x="1871371" y="2448979"/>
+              <a:ext cx="154676" cy="347663"/>
+              <a:chOff x="3612754" y="2961087"/>
+              <a:chExt cx="52695" cy="913068"/>
+            </a:xfrm>
+            <a:grpFill/>
+          </p:grpSpPr>
+          <p:cxnSp>
+            <p:nvCxnSpPr>
+              <p:cNvPr id="51" name="Straight Arrow Connector 50">
+                <a:extLst>
+                  <a:ext uri="{FF2B5EF4-FFF2-40B4-BE49-F238E27FC236}">
+                    <a16:creationId xmlns:a16="http://schemas.microsoft.com/office/drawing/2014/main" id="{6E28B298-A494-B244-A0D6-D04ADBF77328}"/>
+                  </a:ext>
+                </a:extLst>
+              </p:cNvPr>
+              <p:cNvCxnSpPr/>
+              <p:nvPr/>
+            </p:nvCxnSpPr>
+            <p:spPr>
+              <a:xfrm flipV="1">
+                <a:off x="3665449" y="2961087"/>
+                <a:ext cx="0" cy="893369"/>
+              </a:xfrm>
+              <a:prstGeom prst="straightConnector1">
+                <a:avLst/>
+              </a:prstGeom>
+              <a:grpFill/>
+              <a:ln w="19050" cmpd="sng">
+                <a:solidFill>
+                  <a:schemeClr val="tx1"/>
+                </a:solidFill>
+                <a:headEnd type="none" w="med" len="med"/>
+                <a:tailEnd type="arrow" w="med" len="med"/>
+              </a:ln>
+              <a:effectLst/>
+            </p:spPr>
+            <p:style>
+              <a:lnRef idx="2">
+                <a:schemeClr val="accent1"/>
+              </a:lnRef>
+              <a:fillRef idx="0">
+                <a:schemeClr val="accent1"/>
+              </a:fillRef>
+              <a:effectRef idx="1">
+                <a:schemeClr val="accent1"/>
+              </a:effectRef>
+              <a:fontRef idx="minor">
+                <a:schemeClr val="tx1"/>
+              </a:fontRef>
+            </p:style>
+          </p:cxnSp>
+          <p:cxnSp>
+            <p:nvCxnSpPr>
+              <p:cNvPr id="52" name="Straight Arrow Connector 51">
+                <a:extLst>
+                  <a:ext uri="{FF2B5EF4-FFF2-40B4-BE49-F238E27FC236}">
+                    <a16:creationId xmlns:a16="http://schemas.microsoft.com/office/drawing/2014/main" id="{F749A21A-61F3-E94D-A86B-1C66A97B5A7F}"/>
+                  </a:ext>
+                </a:extLst>
+              </p:cNvPr>
+              <p:cNvCxnSpPr/>
+              <p:nvPr/>
+            </p:nvCxnSpPr>
+            <p:spPr>
+              <a:xfrm>
+                <a:off x="3612754" y="2984384"/>
+                <a:ext cx="0" cy="889771"/>
+              </a:xfrm>
+              <a:prstGeom prst="straightConnector1">
+                <a:avLst/>
+              </a:prstGeom>
+              <a:grpFill/>
+              <a:ln w="19050" cmpd="sng">
+                <a:solidFill>
+                  <a:schemeClr val="tx1"/>
+                </a:solidFill>
+                <a:headEnd type="none" w="med" len="med"/>
+                <a:tailEnd type="arrow" w="med" len="med"/>
+              </a:ln>
+              <a:effectLst/>
+            </p:spPr>
+            <p:style>
+              <a:lnRef idx="2">
+                <a:schemeClr val="accent1"/>
+              </a:lnRef>
+              <a:fillRef idx="0">
+                <a:schemeClr val="accent1"/>
+              </a:fillRef>
+              <a:effectRef idx="1">
+                <a:schemeClr val="accent1"/>
+              </a:effectRef>
+              <a:fontRef idx="minor">
+                <a:schemeClr val="tx1"/>
+              </a:fontRef>
+            </p:style>
+          </p:cxnSp>
+        </p:grpSp>
+      </p:grpSp>
+      <p:sp>
+        <p:nvSpPr>
+          <p:cNvPr id="53" name="TextBox 52">
+            <a:extLst>
+              <a:ext uri="{FF2B5EF4-FFF2-40B4-BE49-F238E27FC236}">
+                <a16:creationId xmlns:a16="http://schemas.microsoft.com/office/drawing/2014/main" id="{63248A25-6099-7A4E-BF24-8F19720B9B01}"/>
+              </a:ext>
+            </a:extLst>
+          </p:cNvPr>
+          <p:cNvSpPr txBox="1"/>
+          <p:nvPr/>
+        </p:nvSpPr>
+        <p:spPr>
+          <a:xfrm>
+            <a:off x="2568672" y="2991856"/>
+            <a:ext cx="326694" cy="246221"/>
+          </a:xfrm>
+          <a:prstGeom prst="rect">
+            <a:avLst/>
+          </a:prstGeom>
+          <a:noFill/>
+        </p:spPr>
+        <p:txBody>
+          <a:bodyPr wrap="square" lIns="0" tIns="0" rIns="0" bIns="0" rtlCol="0">
+            <a:spAutoFit/>
+          </a:bodyPr>
+          <a:lstStyle/>
+          <a:p>
+            <a:r>
+              <a:rPr lang="en-US" sz="1600" dirty="0"/>
+              <a:t>k</a:t>
+            </a:r>
+            <a:r>
+              <a:rPr lang="en-US" sz="1600" baseline="-25000" dirty="0"/>
+              <a:t>eD</a:t>
+            </a:r>
+          </a:p>
+        </p:txBody>
+      </p:sp>
+      <p:cxnSp>
+        <p:nvCxnSpPr>
+          <p:cNvPr id="54" name="Straight Arrow Connector 53">
+            <a:extLst>
+              <a:ext uri="{FF2B5EF4-FFF2-40B4-BE49-F238E27FC236}">
+                <a16:creationId xmlns:a16="http://schemas.microsoft.com/office/drawing/2014/main" id="{62ED5D12-F606-B74A-839E-D6711C0FF856}"/>
+              </a:ext>
+            </a:extLst>
+          </p:cNvPr>
+          <p:cNvCxnSpPr/>
+          <p:nvPr/>
+        </p:nvCxnSpPr>
+        <p:spPr>
+          <a:xfrm>
+            <a:off x="6385335" y="3001732"/>
+            <a:ext cx="0" cy="374237"/>
+          </a:xfrm>
+          <a:prstGeom prst="straightConnector1">
+            <a:avLst/>
+          </a:prstGeom>
+          <a:ln>
+            <a:solidFill>
+              <a:schemeClr val="tx1"/>
+            </a:solidFill>
+            <a:tailEnd type="arrow"/>
+          </a:ln>
+          <a:effectLst/>
+        </p:spPr>
+        <p:style>
+          <a:lnRef idx="2">
+            <a:schemeClr val="accent1"/>
+          </a:lnRef>
+          <a:fillRef idx="0">
+            <a:schemeClr val="accent1"/>
+          </a:fillRef>
+          <a:effectRef idx="1">
+            <a:schemeClr val="accent1"/>
+          </a:effectRef>
+          <a:fontRef idx="minor">
+            <a:schemeClr val="tx1"/>
+          </a:fontRef>
+        </p:style>
+      </p:cxnSp>
+      <p:cxnSp>
+        <p:nvCxnSpPr>
+          <p:cNvPr id="55" name="Straight Arrow Connector 54">
+            <a:extLst>
+              <a:ext uri="{FF2B5EF4-FFF2-40B4-BE49-F238E27FC236}">
+                <a16:creationId xmlns:a16="http://schemas.microsoft.com/office/drawing/2014/main" id="{1A24C079-124A-F14E-886C-F6EFB9E5CCFC}"/>
+              </a:ext>
+            </a:extLst>
+          </p:cNvPr>
+          <p:cNvCxnSpPr/>
+          <p:nvPr/>
+        </p:nvCxnSpPr>
+        <p:spPr>
+          <a:xfrm>
+            <a:off x="2924505" y="3001732"/>
+            <a:ext cx="0" cy="374237"/>
+          </a:xfrm>
+          <a:prstGeom prst="straightConnector1">
+            <a:avLst/>
+          </a:prstGeom>
+          <a:ln>
+            <a:solidFill>
+              <a:schemeClr val="tx1"/>
+            </a:solidFill>
+            <a:tailEnd type="arrow"/>
+          </a:ln>
+          <a:effectLst/>
+        </p:spPr>
+        <p:style>
+          <a:lnRef idx="2">
+            <a:schemeClr val="accent1"/>
+          </a:lnRef>
+          <a:fillRef idx="0">
+            <a:schemeClr val="accent1"/>
+          </a:fillRef>
+          <a:effectRef idx="1">
+            <a:schemeClr val="accent1"/>
+          </a:effectRef>
+          <a:fontRef idx="minor">
+            <a:schemeClr val="tx1"/>
+          </a:fontRef>
+        </p:style>
+      </p:cxnSp>
+      <p:sp>
+        <p:nvSpPr>
+          <p:cNvPr id="3" name="Rectangle 2">
+            <a:extLst>
+              <a:ext uri="{FF2B5EF4-FFF2-40B4-BE49-F238E27FC236}">
+                <a16:creationId xmlns:a16="http://schemas.microsoft.com/office/drawing/2014/main" id="{102C8B9C-1D71-5741-AFBD-8B0221DB66E2}"/>
+              </a:ext>
+            </a:extLst>
+          </p:cNvPr>
+          <p:cNvSpPr/>
+          <p:nvPr/>
+        </p:nvSpPr>
+        <p:spPr>
+          <a:xfrm>
+            <a:off x="229094" y="5283625"/>
+            <a:ext cx="3373143" cy="914400"/>
+          </a:xfrm>
+          <a:prstGeom prst="rect">
+            <a:avLst/>
+          </a:prstGeom>
+          <a:ln>
+            <a:noFill/>
+          </a:ln>
+        </p:spPr>
+        <p:style>
+          <a:lnRef idx="2">
+            <a:schemeClr val="accent1">
+              <a:shade val="50000"/>
+            </a:schemeClr>
+          </a:lnRef>
+          <a:fillRef idx="1">
+            <a:schemeClr val="accent1"/>
+          </a:fillRef>
+          <a:effectRef idx="0">
+            <a:schemeClr val="accent1"/>
+          </a:effectRef>
+          <a:fontRef idx="minor">
+            <a:schemeClr val="lt1"/>
+          </a:fontRef>
+        </p:style>
+        <p:txBody>
+          <a:bodyPr rtlCol="0" anchor="ctr"/>
+          <a:lstStyle/>
+          <a:p>
+            <a:pPr algn="ctr"/>
+            <a:r>
+              <a:rPr lang="en-US" dirty="0"/>
+              <a:t>Need a new potency metric (see Peletier18, or Stein17_DrugTargEndog)</a:t>
+            </a:r>
+          </a:p>
+        </p:txBody>
+      </p:sp>
+      <p:grpSp>
+        <p:nvGrpSpPr>
+          <p:cNvPr id="21" name="Group 20">
+            <a:extLst>
+              <a:ext uri="{FF2B5EF4-FFF2-40B4-BE49-F238E27FC236}">
+                <a16:creationId xmlns:a16="http://schemas.microsoft.com/office/drawing/2014/main" id="{02035576-1D12-E54B-A86E-BED49940F96C}"/>
+              </a:ext>
+            </a:extLst>
+          </p:cNvPr>
+          <p:cNvGrpSpPr/>
+          <p:nvPr/>
+        </p:nvGrpSpPr>
+        <p:grpSpPr>
+          <a:xfrm>
+            <a:off x="4267200" y="3329354"/>
+            <a:ext cx="685800" cy="949569"/>
+            <a:chOff x="4267200" y="3329354"/>
+            <a:chExt cx="685800" cy="949569"/>
+          </a:xfrm>
+        </p:grpSpPr>
+        <p:sp>
+          <p:nvSpPr>
+            <p:cNvPr id="15" name="Freeform 14">
+              <a:extLst>
+                <a:ext uri="{FF2B5EF4-FFF2-40B4-BE49-F238E27FC236}">
+                  <a16:creationId xmlns:a16="http://schemas.microsoft.com/office/drawing/2014/main" id="{A0E41CEF-B16C-0047-B730-C919883DF4CB}"/>
+                </a:ext>
+              </a:extLst>
+            </p:cNvPr>
+            <p:cNvSpPr/>
+            <p:nvPr/>
+          </p:nvSpPr>
+          <p:spPr>
+            <a:xfrm>
+              <a:off x="4267200" y="3329354"/>
+              <a:ext cx="586700" cy="949569"/>
+            </a:xfrm>
+            <a:custGeom>
+              <a:avLst/>
+              <a:gdLst>
+                <a:gd name="connsiteX0" fmla="*/ 0 w 586700"/>
+                <a:gd name="connsiteY0" fmla="*/ 949569 h 949569"/>
+                <a:gd name="connsiteX1" fmla="*/ 492369 w 586700"/>
+                <a:gd name="connsiteY1" fmla="*/ 398584 h 949569"/>
+                <a:gd name="connsiteX2" fmla="*/ 586154 w 586700"/>
+                <a:gd name="connsiteY2" fmla="*/ 0 h 949569"/>
+              </a:gdLst>
+              <a:ahLst/>
+              <a:cxnLst>
+                <a:cxn ang="0">
+                  <a:pos x="connsiteX0" y="connsiteY0"/>
+                </a:cxn>
+                <a:cxn ang="0">
+                  <a:pos x="connsiteX1" y="connsiteY1"/>
+                </a:cxn>
+                <a:cxn ang="0">
+                  <a:pos x="connsiteX2" y="connsiteY2"/>
+                </a:cxn>
+              </a:cxnLst>
+              <a:rect l="l" t="t" r="r" b="b"/>
+              <a:pathLst>
+                <a:path w="586700" h="949569">
+                  <a:moveTo>
+                    <a:pt x="0" y="949569"/>
+                  </a:moveTo>
+                  <a:cubicBezTo>
+                    <a:pt x="197338" y="753207"/>
+                    <a:pt x="394677" y="556845"/>
+                    <a:pt x="492369" y="398584"/>
+                  </a:cubicBezTo>
+                  <a:cubicBezTo>
+                    <a:pt x="590061" y="240323"/>
+                    <a:pt x="588107" y="120161"/>
+                    <a:pt x="586154" y="0"/>
+                  </a:cubicBezTo>
+                </a:path>
+              </a:pathLst>
+            </a:custGeom>
+            <a:noFill/>
+            <a:ln>
+              <a:solidFill>
+                <a:srgbClr val="FF0000"/>
+              </a:solidFill>
+            </a:ln>
+          </p:spPr>
+          <p:style>
+            <a:lnRef idx="2">
+              <a:schemeClr val="accent1">
+                <a:shade val="50000"/>
+              </a:schemeClr>
+            </a:lnRef>
+            <a:fillRef idx="1">
+              <a:schemeClr val="accent1"/>
+            </a:fillRef>
+            <a:effectRef idx="0">
+              <a:schemeClr val="accent1"/>
+            </a:effectRef>
+            <a:fontRef idx="minor">
+              <a:schemeClr val="lt1"/>
+            </a:fontRef>
+          </p:style>
+          <p:txBody>
+            <a:bodyPr rtlCol="0" anchor="ctr"/>
+            <a:lstStyle/>
+            <a:p>
+              <a:pPr algn="ctr"/>
+              <a:endParaRPr lang="en-US"/>
+            </a:p>
+          </p:txBody>
+        </p:sp>
+        <p:cxnSp>
+          <p:nvCxnSpPr>
+            <p:cNvPr id="19" name="Straight Connector 18">
+              <a:extLst>
+                <a:ext uri="{FF2B5EF4-FFF2-40B4-BE49-F238E27FC236}">
+                  <a16:creationId xmlns:a16="http://schemas.microsoft.com/office/drawing/2014/main" id="{EAEE7ACC-EF1E-054D-866A-889C2D69A2E1}"/>
+                </a:ext>
+              </a:extLst>
+            </p:cNvPr>
+            <p:cNvCxnSpPr/>
+            <p:nvPr/>
+          </p:nvCxnSpPr>
+          <p:spPr>
+            <a:xfrm>
+              <a:off x="4784523" y="3329354"/>
+              <a:ext cx="168477" cy="0"/>
+            </a:xfrm>
+            <a:prstGeom prst="line">
+              <a:avLst/>
+            </a:prstGeom>
+            <a:ln>
+              <a:solidFill>
+                <a:srgbClr val="FF0000"/>
+              </a:solidFill>
+            </a:ln>
+          </p:spPr>
+          <p:style>
+            <a:lnRef idx="1">
+              <a:schemeClr val="accent1"/>
+            </a:lnRef>
+            <a:fillRef idx="0">
+              <a:schemeClr val="accent1"/>
+            </a:fillRef>
+            <a:effectRef idx="0">
+              <a:schemeClr val="accent1"/>
+            </a:effectRef>
+            <a:fontRef idx="minor">
+              <a:schemeClr val="tx1"/>
+            </a:fontRef>
+          </p:style>
+        </p:cxnSp>
+      </p:grpSp>
+      <p:sp>
+        <p:nvSpPr>
+          <p:cNvPr id="56" name="TextBox 55">
+            <a:extLst>
+              <a:ext uri="{FF2B5EF4-FFF2-40B4-BE49-F238E27FC236}">
+                <a16:creationId xmlns:a16="http://schemas.microsoft.com/office/drawing/2014/main" id="{4A9BA399-6788-D047-B64E-97978E302930}"/>
+              </a:ext>
+            </a:extLst>
+          </p:cNvPr>
+          <p:cNvSpPr txBox="1"/>
+          <p:nvPr/>
+        </p:nvSpPr>
+        <p:spPr>
+          <a:xfrm>
+            <a:off x="248850" y="3933711"/>
+            <a:ext cx="2025042" cy="1200329"/>
+          </a:xfrm>
+          <a:prstGeom prst="rect">
+            <a:avLst/>
+          </a:prstGeom>
+          <a:noFill/>
+          <a:ln>
+            <a:solidFill>
+              <a:schemeClr val="tx1"/>
+            </a:solidFill>
+          </a:ln>
+        </p:spPr>
+        <p:txBody>
+          <a:bodyPr wrap="none" rtlCol="0">
+            <a:spAutoFit/>
+          </a:bodyPr>
+          <a:lstStyle/>
+          <a:p>
+            <a:r>
+              <a:rPr lang="en-US" dirty="0"/>
+              <a:t>D = Drug</a:t>
+            </a:r>
+          </a:p>
+          <a:p>
+            <a:r>
+              <a:rPr lang="en-US" dirty="0"/>
+              <a:t>T = Target</a:t>
+            </a:r>
+          </a:p>
+          <a:p>
+            <a:r>
+              <a:rPr lang="en-US" dirty="0"/>
+              <a:t>L = Ligand</a:t>
+            </a:r>
+          </a:p>
+          <a:p>
+            <a:r>
+              <a:rPr lang="en-US" dirty="0"/>
+              <a:t>DT, TL = Complex</a:t>
+            </a:r>
+          </a:p>
+        </p:txBody>
+      </p:sp>
+      <mc:AlternateContent xmlns:mc="http://schemas.openxmlformats.org/markup-compatibility/2006" xmlns:a14="http://schemas.microsoft.com/office/drawing/2010/main">
+        <mc:Choice Requires="a14">
+          <p:sp>
+            <p:nvSpPr>
+              <p:cNvPr id="24" name="TextBox 23">
+                <a:extLst>
+                  <a:ext uri="{FF2B5EF4-FFF2-40B4-BE49-F238E27FC236}">
+                    <a16:creationId xmlns:a16="http://schemas.microsoft.com/office/drawing/2014/main" id="{D08C080B-3ED5-AE48-BA63-1DBBABD6383A}"/>
+                  </a:ext>
+                </a:extLst>
+              </p:cNvPr>
+              <p:cNvSpPr txBox="1"/>
+              <p:nvPr/>
+            </p:nvSpPr>
+            <p:spPr>
+              <a:xfrm>
+                <a:off x="4431817" y="5459140"/>
+                <a:ext cx="2974276" cy="443391"/>
+              </a:xfrm>
+              <a:prstGeom prst="rect">
+                <a:avLst/>
+              </a:prstGeom>
+              <a:noFill/>
+            </p:spPr>
+            <p:txBody>
+              <a:bodyPr wrap="none" lIns="0" tIns="0" rIns="0" bIns="0" rtlCol="0">
+                <a:spAutoFit/>
+              </a:bodyPr>
+              <a:lstStyle/>
+              <a:p>
+                <a14:m>
+                  <m:oMath xmlns:m="http://schemas.openxmlformats.org/officeDocument/2006/math">
+                    <m:r>
+                      <a:rPr lang="en-US" b="0" i="1" smtClean="0">
+                        <a:solidFill>
+                          <a:srgbClr val="FF0000"/>
+                        </a:solidFill>
+                        <a:latin typeface="Cambria Math" panose="02040503050406030204" pitchFamily="18" charset="0"/>
+                      </a:rPr>
+                      <m:t>𝑓</m:t>
+                    </m:r>
+                    <m:d>
+                      <m:dPr>
+                        <m:ctrlPr>
+                          <a:rPr lang="en-US" b="0" i="1" smtClean="0">
+                            <a:solidFill>
+                              <a:srgbClr val="FF0000"/>
+                            </a:solidFill>
+                            <a:latin typeface="Cambria Math" panose="02040503050406030204" pitchFamily="18" charset="0"/>
+                          </a:rPr>
+                        </m:ctrlPr>
+                      </m:dPr>
+                      <m:e>
+                        <m:r>
+                          <a:rPr lang="en-US" b="0" i="1" smtClean="0">
+                            <a:solidFill>
+                              <a:srgbClr val="FF0000"/>
+                            </a:solidFill>
+                            <a:latin typeface="Cambria Math" panose="02040503050406030204" pitchFamily="18" charset="0"/>
+                          </a:rPr>
+                          <m:t>𝐷𝑇</m:t>
+                        </m:r>
+                      </m:e>
+                    </m:d>
+                    <m:r>
+                      <a:rPr lang="en-US" b="0" i="1" smtClean="0">
+                        <a:solidFill>
+                          <a:srgbClr val="FF0000"/>
+                        </a:solidFill>
+                        <a:latin typeface="Cambria Math" panose="02040503050406030204" pitchFamily="18" charset="0"/>
+                      </a:rPr>
+                      <m:t>=</m:t>
+                    </m:r>
+                    <m:sSub>
+                      <m:sSubPr>
+                        <m:ctrlPr>
+                          <a:rPr lang="en-US" b="0" i="1" smtClean="0">
+                            <a:solidFill>
+                              <a:srgbClr val="FF0000"/>
+                            </a:solidFill>
+                            <a:latin typeface="Cambria Math" panose="02040503050406030204" pitchFamily="18" charset="0"/>
+                          </a:rPr>
+                        </m:ctrlPr>
+                      </m:sSubPr>
+                      <m:e>
+                        <m:r>
+                          <a:rPr lang="en-US" b="0" i="1" smtClean="0">
+                            <a:solidFill>
+                              <a:srgbClr val="FF0000"/>
+                            </a:solidFill>
+                            <a:latin typeface="Cambria Math" panose="02040503050406030204" pitchFamily="18" charset="0"/>
+                          </a:rPr>
+                          <m:t>𝑘</m:t>
+                        </m:r>
+                      </m:e>
+                      <m:sub>
+                        <m:r>
+                          <a:rPr lang="en-US" b="0" i="1" smtClean="0">
+                            <a:solidFill>
+                              <a:srgbClr val="FF0000"/>
+                            </a:solidFill>
+                            <a:latin typeface="Cambria Math" panose="02040503050406030204" pitchFamily="18" charset="0"/>
+                          </a:rPr>
+                          <m:t>𝑒𝑇</m:t>
+                        </m:r>
+                      </m:sub>
+                    </m:sSub>
+                    <m:d>
+                      <m:dPr>
+                        <m:ctrlPr>
+                          <a:rPr lang="en-US" b="0" i="1" smtClean="0">
+                            <a:solidFill>
+                              <a:srgbClr val="FF0000"/>
+                            </a:solidFill>
+                            <a:latin typeface="Cambria Math" panose="02040503050406030204" pitchFamily="18" charset="0"/>
+                          </a:rPr>
+                        </m:ctrlPr>
+                      </m:dPr>
+                      <m:e>
+                        <m:r>
+                          <a:rPr lang="en-US" b="0" i="1" smtClean="0">
+                            <a:solidFill>
+                              <a:srgbClr val="FF0000"/>
+                            </a:solidFill>
+                            <a:latin typeface="Cambria Math" panose="02040503050406030204" pitchFamily="18" charset="0"/>
+                          </a:rPr>
+                          <m:t>1+</m:t>
+                        </m:r>
+                        <m:f>
+                          <m:fPr>
+                            <m:ctrlPr>
+                              <a:rPr lang="en-US" i="1">
+                                <a:solidFill>
+                                  <a:srgbClr val="FF0000"/>
+                                </a:solidFill>
+                                <a:latin typeface="Cambria Math" panose="02040503050406030204" pitchFamily="18" charset="0"/>
+                              </a:rPr>
+                            </m:ctrlPr>
+                          </m:fPr>
+                          <m:num>
+                            <m:sSub>
+                              <m:sSubPr>
+                                <m:ctrlPr>
+                                  <a:rPr lang="en-US" b="0" i="1" smtClean="0">
+                                    <a:solidFill>
+                                      <a:srgbClr val="FF0000"/>
+                                    </a:solidFill>
+                                    <a:latin typeface="Cambria Math" panose="02040503050406030204" pitchFamily="18" charset="0"/>
+                                  </a:rPr>
+                                </m:ctrlPr>
+                              </m:sSubPr>
+                              <m:e>
+                                <m:r>
+                                  <a:rPr lang="en-US" b="0" i="1" smtClean="0">
+                                    <a:solidFill>
+                                      <a:srgbClr val="FF0000"/>
+                                    </a:solidFill>
+                                    <a:latin typeface="Cambria Math" panose="02040503050406030204" pitchFamily="18" charset="0"/>
+                                  </a:rPr>
+                                  <m:t>𝐸</m:t>
+                                </m:r>
+                              </m:e>
+                              <m:sub>
+                                <m:r>
+                                  <a:rPr lang="en-US" b="0" i="1" smtClean="0">
+                                    <a:solidFill>
+                                      <a:srgbClr val="FF0000"/>
+                                    </a:solidFill>
+                                    <a:latin typeface="Cambria Math" panose="02040503050406030204" pitchFamily="18" charset="0"/>
+                                  </a:rPr>
+                                  <m:t>𝑚𝑎𝑥</m:t>
+                                </m:r>
+                              </m:sub>
+                            </m:sSub>
+                            <m:r>
+                              <a:rPr lang="en-US" b="0" i="1" smtClean="0">
+                                <a:solidFill>
+                                  <a:srgbClr val="FF0000"/>
+                                </a:solidFill>
+                                <a:latin typeface="Cambria Math" panose="02040503050406030204" pitchFamily="18" charset="0"/>
+                              </a:rPr>
+                              <m:t>(</m:t>
+                            </m:r>
+                            <m:r>
+                              <a:rPr lang="en-US" b="0" i="1" smtClean="0">
+                                <a:solidFill>
+                                  <a:srgbClr val="FF0000"/>
+                                </a:solidFill>
+                                <a:latin typeface="Cambria Math" panose="02040503050406030204" pitchFamily="18" charset="0"/>
+                              </a:rPr>
+                              <m:t>𝐷𝑇</m:t>
+                            </m:r>
+                            <m:r>
+                              <a:rPr lang="en-US" b="0" i="1" smtClean="0">
+                                <a:solidFill>
+                                  <a:srgbClr val="FF0000"/>
+                                </a:solidFill>
+                                <a:latin typeface="Cambria Math" panose="02040503050406030204" pitchFamily="18" charset="0"/>
+                              </a:rPr>
+                              <m:t>)</m:t>
+                            </m:r>
+                          </m:num>
+                          <m:den>
+                            <m:r>
+                              <a:rPr lang="en-US" b="0" i="1" smtClean="0">
+                                <a:solidFill>
+                                  <a:srgbClr val="FF0000"/>
+                                </a:solidFill>
+                                <a:latin typeface="Cambria Math" panose="02040503050406030204" pitchFamily="18" charset="0"/>
+                              </a:rPr>
+                              <m:t>(</m:t>
+                            </m:r>
+                            <m:r>
+                              <a:rPr lang="en-US" i="1">
+                                <a:solidFill>
+                                  <a:srgbClr val="FF0000"/>
+                                </a:solidFill>
+                                <a:latin typeface="Cambria Math" panose="02040503050406030204" pitchFamily="18" charset="0"/>
+                              </a:rPr>
+                              <m:t>𝐷𝑇</m:t>
+                            </m:r>
+                            <m:r>
+                              <a:rPr lang="en-US" b="0" i="1" smtClean="0">
+                                <a:solidFill>
+                                  <a:srgbClr val="FF0000"/>
+                                </a:solidFill>
+                                <a:latin typeface="Cambria Math" panose="02040503050406030204" pitchFamily="18" charset="0"/>
+                              </a:rPr>
+                              <m:t>)</m:t>
+                            </m:r>
+                            <m:r>
+                              <a:rPr lang="en-US" i="1">
+                                <a:solidFill>
+                                  <a:srgbClr val="FF0000"/>
+                                </a:solidFill>
+                                <a:latin typeface="Cambria Math" panose="02040503050406030204" pitchFamily="18" charset="0"/>
+                              </a:rPr>
+                              <m:t>+</m:t>
+                            </m:r>
+                            <m:r>
+                              <a:rPr lang="en-US" i="1">
+                                <a:solidFill>
+                                  <a:srgbClr val="FF0000"/>
+                                </a:solidFill>
+                                <a:latin typeface="Cambria Math" panose="02040503050406030204" pitchFamily="18" charset="0"/>
+                              </a:rPr>
+                              <m:t>𝐸𝐷</m:t>
+                            </m:r>
+                            <m:sSub>
+                              <m:sSubPr>
+                                <m:ctrlPr>
+                                  <a:rPr lang="en-US" i="1">
+                                    <a:solidFill>
+                                      <a:srgbClr val="FF0000"/>
+                                    </a:solidFill>
+                                    <a:latin typeface="Cambria Math" panose="02040503050406030204" pitchFamily="18" charset="0"/>
+                                  </a:rPr>
+                                </m:ctrlPr>
+                              </m:sSubPr>
+                              <m:e>
+                                <m:r>
+                                  <a:rPr lang="en-US" i="1">
+                                    <a:solidFill>
+                                      <a:srgbClr val="FF0000"/>
+                                    </a:solidFill>
+                                    <a:latin typeface="Cambria Math" panose="02040503050406030204" pitchFamily="18" charset="0"/>
+                                  </a:rPr>
+                                  <m:t>𝑇</m:t>
+                                </m:r>
+                              </m:e>
+                              <m:sub>
+                                <m:r>
+                                  <a:rPr lang="en-US" i="1">
+                                    <a:solidFill>
+                                      <a:srgbClr val="FF0000"/>
+                                    </a:solidFill>
+                                    <a:latin typeface="Cambria Math" panose="02040503050406030204" pitchFamily="18" charset="0"/>
+                                  </a:rPr>
+                                  <m:t>50</m:t>
+                                </m:r>
+                              </m:sub>
+                            </m:sSub>
+                          </m:den>
+                        </m:f>
+                      </m:e>
+                    </m:d>
+                  </m:oMath>
+                </a14:m>
+                <a:r>
+                  <a:rPr lang="en-US" dirty="0">
+                    <a:solidFill>
+                      <a:srgbClr val="FF0000"/>
+                    </a:solidFill>
+                  </a:rPr>
+                  <a:t> </a:t>
+                </a:r>
+              </a:p>
+            </p:txBody>
+          </p:sp>
+        </mc:Choice>
+        <mc:Fallback xmlns="">
+          <p:sp>
+            <p:nvSpPr>
+              <p:cNvPr id="24" name="TextBox 23">
+                <a:extLst>
+                  <a:ext uri="{FF2B5EF4-FFF2-40B4-BE49-F238E27FC236}">
+                    <a16:creationId xmlns:a16="http://schemas.microsoft.com/office/drawing/2014/main" id="{D08C080B-3ED5-AE48-BA63-1DBBABD6383A}"/>
+                  </a:ext>
+                </a:extLst>
+              </p:cNvPr>
+              <p:cNvSpPr txBox="1">
+                <a:spLocks noRot="1" noChangeAspect="1" noMove="1" noResize="1" noEditPoints="1" noAdjustHandles="1" noChangeArrowheads="1" noChangeShapeType="1" noTextEdit="1"/>
+              </p:cNvSpPr>
+              <p:nvPr/>
+            </p:nvSpPr>
+            <p:spPr>
+              <a:xfrm>
+                <a:off x="4431817" y="5459140"/>
+                <a:ext cx="2974276" cy="443391"/>
+              </a:xfrm>
+              <a:prstGeom prst="rect">
+                <a:avLst/>
+              </a:prstGeom>
+              <a:blipFill>
+                <a:blip r:embed="rId2"/>
+                <a:stretch>
+                  <a:fillRect l="-3404" b="-16667"/>
+                </a:stretch>
+              </a:blipFill>
+            </p:spPr>
+            <p:txBody>
+              <a:bodyPr/>
+              <a:lstStyle/>
+              <a:p>
+                <a:r>
+                  <a:rPr lang="en-US">
+                    <a:noFill/>
+                  </a:rPr>
+                  <a:t> </a:t>
+                </a:r>
+              </a:p>
+            </p:txBody>
+          </p:sp>
+        </mc:Fallback>
+      </mc:AlternateContent>
+    </p:spTree>
+    <p:extLst>
+      <p:ext uri="{BB962C8B-B14F-4D97-AF65-F5344CB8AC3E}">
+        <p14:creationId xmlns:p14="http://schemas.microsoft.com/office/powerpoint/2010/main" val="864672762"/>
       </p:ext>
     </p:extLst>
   </p:cSld>
